--- a/pre/ddu_pre.pptx
+++ b/pre/ddu_pre.pptx
@@ -8,7 +8,7 @@
     <p:notesMasterId r:id="rId4"/>
   </p:notesMasterIdLst>
   <p:handoutMasterIdLst>
-    <p:handoutMasterId r:id="rId29"/>
+    <p:handoutMasterId r:id="rId30"/>
   </p:handoutMasterIdLst>
   <p:sldIdLst>
     <p:sldId id="256" r:id="rId3"/>
@@ -25,17 +25,18 @@
     <p:sldId id="1853" r:id="rId15"/>
     <p:sldId id="1854" r:id="rId16"/>
     <p:sldId id="1867" r:id="rId17"/>
-    <p:sldId id="1855" r:id="rId18"/>
-    <p:sldId id="1856" r:id="rId19"/>
-    <p:sldId id="1857" r:id="rId20"/>
-    <p:sldId id="1858" r:id="rId21"/>
-    <p:sldId id="1859" r:id="rId22"/>
-    <p:sldId id="1860" r:id="rId23"/>
-    <p:sldId id="1861" r:id="rId24"/>
-    <p:sldId id="1862" r:id="rId25"/>
-    <p:sldId id="1868" r:id="rId26"/>
-    <p:sldId id="1864" r:id="rId27"/>
-    <p:sldId id="1828" r:id="rId28"/>
+    <p:sldId id="1879" r:id="rId18"/>
+    <p:sldId id="1855" r:id="rId19"/>
+    <p:sldId id="1856" r:id="rId20"/>
+    <p:sldId id="1857" r:id="rId21"/>
+    <p:sldId id="1858" r:id="rId22"/>
+    <p:sldId id="1859" r:id="rId23"/>
+    <p:sldId id="1860" r:id="rId24"/>
+    <p:sldId id="1861" r:id="rId25"/>
+    <p:sldId id="1862" r:id="rId26"/>
+    <p:sldId id="1868" r:id="rId27"/>
+    <p:sldId id="1864" r:id="rId28"/>
+    <p:sldId id="1828" r:id="rId29"/>
   </p:sldIdLst>
   <p:sldSz cx="12192000" cy="6858000"/>
   <p:notesSz cx="6858000" cy="9144000"/>
@@ -4213,7 +4214,7 @@
         <p:spPr>
           <a:xfrm>
             <a:off x="712470" y="1104265"/>
-            <a:ext cx="10873740" cy="1076325"/>
+            <a:ext cx="10873740" cy="1568450"/>
           </a:xfrm>
           <a:prstGeom prst="rect">
             <a:avLst/>
@@ -4278,7 +4279,52 @@
               <a:rPr lang="zh-CN" altLang="en-US" sz="1600">
                 <a:sym typeface="+mn-ea"/>
               </a:rPr>
-              <a:t>论文通过大量的实验探究网络训练方式，模型架构，先验的选择对于</a:t>
+              <a:t>论文通过大量的实验探究</a:t>
+            </a:r>
+            <a:r>
+              <a:rPr lang="zh-CN" altLang="en-US" sz="1600">
+                <a:solidFill>
+                  <a:srgbClr val="FF0000"/>
+                </a:solidFill>
+                <a:sym typeface="+mn-ea"/>
+              </a:rPr>
+              <a:t>网络训练方式</a:t>
+            </a:r>
+            <a:r>
+              <a:rPr lang="zh-CN" altLang="en-US" sz="1600">
+                <a:sym typeface="+mn-ea"/>
+              </a:rPr>
+              <a:t>，</a:t>
+            </a:r>
+            <a:r>
+              <a:rPr lang="zh-CN" altLang="en-US" sz="1600">
+                <a:solidFill>
+                  <a:srgbClr val="FF0000"/>
+                </a:solidFill>
+                <a:sym typeface="+mn-ea"/>
+              </a:rPr>
+              <a:t>模型架构</a:t>
+            </a:r>
+            <a:r>
+              <a:rPr lang="zh-CN" altLang="en-US" sz="1600">
+                <a:sym typeface="+mn-ea"/>
+              </a:rPr>
+              <a:t>，</a:t>
+            </a:r>
+            <a:r>
+              <a:rPr lang="zh-CN" altLang="en-US" sz="1600">
+                <a:solidFill>
+                  <a:srgbClr val="FF0000"/>
+                </a:solidFill>
+                <a:sym typeface="+mn-ea"/>
+              </a:rPr>
+              <a:t>先验的选择</a:t>
+            </a:r>
+            <a:r>
+              <a:rPr lang="zh-CN" altLang="en-US" sz="1600">
+                <a:sym typeface="+mn-ea"/>
+              </a:rPr>
+              <a:t>对于</a:t>
             </a:r>
             <a:r>
               <a:rPr lang="en-US" sz="1600">
@@ -4323,7 +4369,7 @@
               <a:rPr lang="en-US" altLang="zh-CN" sz="1600">
                 <a:sym typeface="+mn-ea"/>
               </a:rPr>
-              <a:t>core architecure </a:t>
+              <a:t>core architecture </a:t>
             </a:r>
             <a:r>
               <a:rPr lang="zh-CN" altLang="en-US" sz="1600">
@@ -4356,7 +4402,7 @@
               <a:rPr lang="zh-CN" altLang="en-US" sz="1600">
                 <a:sym typeface="+mn-ea"/>
               </a:rPr>
-              <a:t>作者主要针对</a:t>
+              <a:t>作者选取</a:t>
             </a:r>
             <a:r>
               <a:rPr lang="en-US" altLang="zh-CN" sz="1600">
@@ -4380,13 +4426,7 @@
               <a:rPr lang="zh-CN" altLang="en-US" sz="1600">
                 <a:sym typeface="+mn-ea"/>
               </a:rPr>
-              <a:t>两种</a:t>
-            </a:r>
-            <a:r>
-              <a:rPr lang="en-US" altLang="zh-CN" sz="1600">
-                <a:sym typeface="+mn-ea"/>
-              </a:rPr>
-              <a:t>DUM</a:t>
+              <a:t>两种不确定性建模</a:t>
             </a:r>
             <a:r>
               <a:rPr lang="zh-CN" altLang="en-US" sz="1600">
@@ -4398,8 +4438,273 @@
               <a:sym typeface="+mn-ea"/>
             </a:endParaRPr>
           </a:p>
+          <a:p>
+            <a:pPr marL="285750" indent="-285750">
+              <a:buFont typeface="Wingdings" panose="05000000000000000000" charset="0"/>
+              <a:buChar char=""/>
+            </a:pPr>
+            <a:r>
+              <a:rPr lang="en-US" altLang="zh-CN" sz="1600">
+                <a:sym typeface="+mn-ea"/>
+              </a:rPr>
+              <a:t>NatPN</a:t>
+            </a:r>
+            <a:r>
+              <a:rPr lang="zh-CN" altLang="en-US" sz="1600">
+                <a:sym typeface="+mn-ea"/>
+              </a:rPr>
+              <a:t>用概率密度估计建模</a:t>
+            </a:r>
+            <a:r>
+              <a:rPr lang="en-US" altLang="zh-CN" sz="1600">
+                <a:sym typeface="+mn-ea"/>
+              </a:rPr>
+              <a:t>uncertainty</a:t>
+            </a:r>
+            <a:r>
+              <a:rPr lang="zh-CN" altLang="en-US" sz="1600">
+                <a:sym typeface="+mn-ea"/>
+              </a:rPr>
+              <a:t>预测</a:t>
+            </a:r>
+            <a:endParaRPr lang="zh-CN" altLang="en-US" sz="1600">
+              <a:sym typeface="+mn-ea"/>
+            </a:endParaRPr>
+          </a:p>
+          <a:p>
+            <a:pPr marL="285750" indent="-285750">
+              <a:buFont typeface="Wingdings" panose="05000000000000000000" charset="0"/>
+              <a:buChar char=""/>
+            </a:pPr>
+            <a:r>
+              <a:rPr lang="en-US" altLang="zh-CN" sz="1600">
+                <a:sym typeface="+mn-ea"/>
+              </a:rPr>
+              <a:t>DUE</a:t>
+            </a:r>
+            <a:r>
+              <a:rPr lang="zh-CN" altLang="en-US" sz="1600">
+                <a:sym typeface="+mn-ea"/>
+              </a:rPr>
+              <a:t>使用高斯过程建模</a:t>
+            </a:r>
+            <a:r>
+              <a:rPr lang="en-US" altLang="zh-CN" sz="1600">
+                <a:sym typeface="+mn-ea"/>
+              </a:rPr>
+              <a:t>uncertainty</a:t>
+            </a:r>
+            <a:r>
+              <a:rPr lang="zh-CN" altLang="en-US" sz="1600">
+                <a:sym typeface="+mn-ea"/>
+              </a:rPr>
+              <a:t>预测</a:t>
+            </a:r>
+            <a:endParaRPr lang="zh-CN" altLang="en-US" sz="1600">
+              <a:sym typeface="+mn-ea"/>
+            </a:endParaRPr>
+          </a:p>
         </p:txBody>
       </p:sp>
+      <p:grpSp>
+        <p:nvGrpSpPr>
+          <p:cNvPr id="12" name="组合 11"/>
+          <p:cNvGrpSpPr/>
+          <p:nvPr/>
+        </p:nvGrpSpPr>
+        <p:grpSpPr>
+          <a:xfrm>
+            <a:off x="1178560" y="2898140"/>
+            <a:ext cx="9366250" cy="1952625"/>
+            <a:chOff x="1934" y="4564"/>
+            <a:chExt cx="14750" cy="3075"/>
+          </a:xfrm>
+        </p:grpSpPr>
+        <p:grpSp>
+          <p:nvGrpSpPr>
+            <p:cNvPr id="10" name="组合 9"/>
+            <p:cNvGrpSpPr/>
+            <p:nvPr/>
+          </p:nvGrpSpPr>
+          <p:grpSpPr>
+            <a:xfrm>
+              <a:off x="6884" y="5587"/>
+              <a:ext cx="9800" cy="725"/>
+              <a:chOff x="3984" y="5587"/>
+              <a:chExt cx="9800" cy="725"/>
+            </a:xfrm>
+          </p:grpSpPr>
+          <p:sp>
+            <p:nvSpPr>
+              <p:cNvPr id="3" name="矩形 2"/>
+              <p:cNvSpPr/>
+              <p:nvPr/>
+            </p:nvSpPr>
+            <p:spPr>
+              <a:xfrm>
+                <a:off x="3984" y="5587"/>
+                <a:ext cx="4972" cy="725"/>
+              </a:xfrm>
+              <a:prstGeom prst="rect">
+                <a:avLst/>
+              </a:prstGeom>
+              <a:solidFill>
+                <a:schemeClr val="accent1"/>
+              </a:solidFill>
+              <a:ln>
+                <a:solidFill>
+                  <a:schemeClr val="accent1"/>
+                </a:solidFill>
+              </a:ln>
+            </p:spPr>
+            <p:txBody>
+              <a:bodyPr wrap="square">
+                <a:spAutoFit/>
+              </a:bodyPr>
+              <a:p>
+                <a:pPr algn="ctr"/>
+                <a:r>
+                  <a:rPr lang="en-US" altLang="zh-CN" sz="2400" dirty="0"/>
+                  <a:t>core architecture</a:t>
+                </a:r>
+                <a:endParaRPr lang="en-US" altLang="zh-CN" sz="2400" dirty="0"/>
+              </a:p>
+            </p:txBody>
+          </p:sp>
+          <p:sp>
+            <p:nvSpPr>
+              <p:cNvPr id="4" name="矩形 3"/>
+              <p:cNvSpPr/>
+              <p:nvPr/>
+            </p:nvSpPr>
+            <p:spPr>
+              <a:xfrm>
+                <a:off x="10103" y="5587"/>
+                <a:ext cx="3681" cy="725"/>
+              </a:xfrm>
+              <a:prstGeom prst="rect">
+                <a:avLst/>
+              </a:prstGeom>
+              <a:solidFill>
+                <a:schemeClr val="accent1"/>
+              </a:solidFill>
+            </p:spPr>
+            <p:txBody>
+              <a:bodyPr wrap="square">
+                <a:spAutoFit/>
+              </a:bodyPr>
+              <a:p>
+                <a:pPr algn="ctr"/>
+                <a:r>
+                  <a:rPr lang="en-US" altLang="zh-CN" sz="2400" dirty="0"/>
+                  <a:t>prediction head</a:t>
+                </a:r>
+                <a:endParaRPr lang="en-US" altLang="zh-CN" sz="2400" dirty="0"/>
+              </a:p>
+            </p:txBody>
+          </p:sp>
+          <p:cxnSp>
+            <p:nvCxnSpPr>
+              <p:cNvPr id="7" name="直接连接符 6"/>
+              <p:cNvCxnSpPr>
+                <a:stCxn id="4" idx="1"/>
+              </p:cNvCxnSpPr>
+              <p:nvPr/>
+            </p:nvCxnSpPr>
+            <p:spPr>
+              <a:xfrm flipH="1" flipV="1">
+                <a:off x="8956" y="5937"/>
+                <a:ext cx="1147" cy="13"/>
+              </a:xfrm>
+              <a:prstGeom prst="line">
+                <a:avLst/>
+              </a:prstGeom>
+              <a:ln w="25400">
+                <a:solidFill>
+                  <a:srgbClr val="FF0000"/>
+                </a:solidFill>
+                <a:headEnd type="stealth" w="lg" len="med"/>
+                <a:tailEnd type="none" w="lg" len="med"/>
+              </a:ln>
+            </p:spPr>
+            <p:style>
+              <a:lnRef idx="1">
+                <a:schemeClr val="accent2"/>
+              </a:lnRef>
+              <a:fillRef idx="0">
+                <a:schemeClr val="accent2"/>
+              </a:fillRef>
+              <a:effectRef idx="0">
+                <a:schemeClr val="accent2"/>
+              </a:effectRef>
+              <a:fontRef idx="minor">
+                <a:schemeClr val="tx1"/>
+              </a:fontRef>
+            </p:style>
+          </p:cxnSp>
+        </p:grpSp>
+        <p:pic>
+          <p:nvPicPr>
+            <p:cNvPr id="9" name="图片 8"/>
+            <p:cNvPicPr>
+              <a:picLocks noChangeAspect="1"/>
+            </p:cNvPicPr>
+            <p:nvPr/>
+          </p:nvPicPr>
+          <p:blipFill>
+            <a:blip r:embed="rId1"/>
+            <a:stretch>
+              <a:fillRect/>
+            </a:stretch>
+          </p:blipFill>
+          <p:spPr>
+            <a:xfrm>
+              <a:off x="1934" y="4564"/>
+              <a:ext cx="3000" cy="3075"/>
+            </a:xfrm>
+            <a:prstGeom prst="rect">
+              <a:avLst/>
+            </a:prstGeom>
+          </p:spPr>
+        </p:pic>
+        <p:cxnSp>
+          <p:nvCxnSpPr>
+            <p:cNvPr id="11" name="直接连接符 10"/>
+            <p:cNvCxnSpPr/>
+            <p:nvPr/>
+          </p:nvCxnSpPr>
+          <p:spPr>
+            <a:xfrm flipH="1" flipV="1">
+              <a:off x="5167" y="5867"/>
+              <a:ext cx="1591" cy="24"/>
+            </a:xfrm>
+            <a:prstGeom prst="line">
+              <a:avLst/>
+            </a:prstGeom>
+            <a:ln w="25400">
+              <a:solidFill>
+                <a:srgbClr val="FF0000"/>
+              </a:solidFill>
+              <a:headEnd type="stealth" w="lg" len="med"/>
+              <a:tailEnd type="none" w="lg" len="med"/>
+            </a:ln>
+          </p:spPr>
+          <p:style>
+            <a:lnRef idx="1">
+              <a:schemeClr val="accent2"/>
+            </a:lnRef>
+            <a:fillRef idx="0">
+              <a:schemeClr val="accent2"/>
+            </a:fillRef>
+            <a:effectRef idx="0">
+              <a:schemeClr val="accent2"/>
+            </a:effectRef>
+            <a:fontRef idx="minor">
+              <a:schemeClr val="tx1"/>
+            </a:fontRef>
+          </p:style>
+        </p:cxnSp>
+      </p:grpSp>
     </p:spTree>
   </p:cSld>
   <p:clrMapOvr>
@@ -4446,7 +4751,7 @@
         <p:spPr>
           <a:xfrm>
             <a:off x="304543" y="486560"/>
-            <a:ext cx="2125980" cy="521970"/>
+            <a:ext cx="1612900" cy="521970"/>
           </a:xfrm>
           <a:prstGeom prst="rect">
             <a:avLst/>
@@ -4462,15 +4767,15 @@
               <a:defRPr/>
             </a:pPr>
             <a:r>
-              <a:rPr lang="en-US" altLang="zh-CN" sz="2800" b="1" dirty="0">
+              <a:rPr lang="zh-CN" altLang="en-US" sz="2800" b="1" dirty="0">
                 <a:latin typeface="微软雅黑" charset="-122"/>
                 <a:ea typeface="微软雅黑" charset="-122"/>
                 <a:cs typeface="微软雅黑" charset="-122"/>
                 <a:sym typeface="+mn-ea"/>
               </a:rPr>
-              <a:t>Experiments</a:t>
-            </a:r>
-            <a:endParaRPr lang="en-US" altLang="zh-CN" sz="2800" b="1" dirty="0">
+              <a:t>研究内容</a:t>
+            </a:r>
+            <a:endParaRPr lang="zh-CN" altLang="en-US" sz="2800" b="1" dirty="0">
               <a:solidFill>
                 <a:schemeClr val="tx1"/>
               </a:solidFill>
@@ -4491,7 +4796,7 @@
         <p:spPr>
           <a:xfrm>
             <a:off x="712470" y="1104265"/>
-            <a:ext cx="10873740" cy="1076325"/>
+            <a:ext cx="10873740" cy="1322070"/>
           </a:xfrm>
           <a:prstGeom prst="rect">
             <a:avLst/>
@@ -4508,12 +4813,18 @@
               <a:buChar char=""/>
             </a:pPr>
             <a:r>
-              <a:rPr sz="1600">
-                <a:sym typeface="+mn-ea"/>
-              </a:rPr>
-              <a:t>Training</a:t>
-            </a:r>
-            <a:endParaRPr sz="1600">
+              <a:rPr lang="zh-CN" altLang="en-US" sz="1600">
+                <a:sym typeface="+mn-ea"/>
+              </a:rPr>
+              <a:t>论文中用到的</a:t>
+            </a:r>
+            <a:r>
+              <a:rPr lang="en-US" altLang="zh-CN" sz="1600">
+                <a:sym typeface="+mn-ea"/>
+              </a:rPr>
+              <a:t>Metrics</a:t>
+            </a:r>
+            <a:endParaRPr lang="en-US" altLang="zh-CN" sz="1600">
               <a:sym typeface="+mn-ea"/>
             </a:endParaRPr>
           </a:p>
@@ -4523,12 +4834,18 @@
               <a:buChar char=""/>
             </a:pPr>
             <a:r>
-              <a:rPr sz="1600">
-                <a:sym typeface="+mn-ea"/>
-              </a:rPr>
-              <a:t>Decoupling learning rates</a:t>
-            </a:r>
-            <a:endParaRPr sz="1600">
+              <a:rPr lang="en-US" altLang="zh-CN" sz="1600">
+                <a:sym typeface="+mn-ea"/>
+              </a:rPr>
+              <a:t>Accuracy:</a:t>
+            </a:r>
+            <a:r>
+              <a:rPr lang="zh-CN" altLang="en-US" sz="1600">
+                <a:sym typeface="+mn-ea"/>
+              </a:rPr>
+              <a:t>分类任务的准确率</a:t>
+            </a:r>
+            <a:endParaRPr lang="en-US" altLang="zh-CN" sz="1600">
               <a:sym typeface="+mn-ea"/>
             </a:endParaRPr>
           </a:p>
@@ -4538,12 +4855,18 @@
               <a:buChar char=""/>
             </a:pPr>
             <a:r>
-              <a:rPr lang="en-US" sz="1600">
-                <a:sym typeface="+mn-ea"/>
-              </a:rPr>
-              <a:t>Training schemes: joint training vs sequential training</a:t>
-            </a:r>
-            <a:endParaRPr lang="en-US" sz="1600">
+              <a:rPr lang="en-US" altLang="zh-CN" sz="1600">
+                <a:sym typeface="+mn-ea"/>
+              </a:rPr>
+              <a:t>Calibration: Brier Score</a:t>
+            </a:r>
+            <a:r>
+              <a:rPr lang="zh-CN" altLang="en-US" sz="1600">
+                <a:sym typeface="+mn-ea"/>
+              </a:rPr>
+              <a:t>，评估模型的校准能力</a:t>
+            </a:r>
+            <a:endParaRPr lang="en-US" altLang="zh-CN" sz="1600">
               <a:sym typeface="+mn-ea"/>
             </a:endParaRPr>
           </a:p>
@@ -4553,12 +4876,135 @@
               <a:buChar char=""/>
             </a:pPr>
             <a:r>
-              <a:rPr lang="en-US" sz="1600">
-                <a:sym typeface="+mn-ea"/>
-              </a:rPr>
-              <a:t>Pretraining schemes</a:t>
-            </a:r>
-            <a:endParaRPr lang="en-US" sz="1600">
+              <a:rPr lang="en-US" altLang="zh-CN" sz="1600">
+                <a:sym typeface="+mn-ea"/>
+              </a:rPr>
+              <a:t>OOD Generalization:</a:t>
+            </a:r>
+            <a:r>
+              <a:rPr lang="zh-CN" altLang="en-US" sz="1600">
+                <a:sym typeface="+mn-ea"/>
+              </a:rPr>
+              <a:t>评估</a:t>
+            </a:r>
+            <a:r>
+              <a:rPr lang="en-US" altLang="zh-CN" sz="1600">
+                <a:sym typeface="+mn-ea"/>
+              </a:rPr>
+              <a:t>ID dataset</a:t>
+            </a:r>
+            <a:r>
+              <a:rPr lang="zh-CN" altLang="en-US" sz="1600">
+                <a:sym typeface="+mn-ea"/>
+              </a:rPr>
+              <a:t>和</a:t>
+            </a:r>
+            <a:r>
+              <a:rPr lang="en-US" altLang="zh-CN" sz="1600">
+                <a:sym typeface="+mn-ea"/>
+              </a:rPr>
+              <a:t>distribution shifted OOD dataset</a:t>
+            </a:r>
+            <a:r>
+              <a:rPr lang="zh-CN" altLang="en-US" sz="1600">
+                <a:sym typeface="+mn-ea"/>
+              </a:rPr>
+              <a:t>的</a:t>
+            </a:r>
+            <a:r>
+              <a:rPr lang="en-US" altLang="zh-CN" sz="1600">
+                <a:sym typeface="+mn-ea"/>
+              </a:rPr>
+              <a:t>accuracy</a:t>
+            </a:r>
+            <a:r>
+              <a:rPr lang="zh-CN" altLang="en-US" sz="1600">
+                <a:sym typeface="+mn-ea"/>
+              </a:rPr>
+              <a:t>以及</a:t>
+            </a:r>
+            <a:r>
+              <a:rPr lang="en-US" altLang="zh-CN" sz="1600">
+                <a:sym typeface="+mn-ea"/>
+              </a:rPr>
+              <a:t>calibration</a:t>
+            </a:r>
+            <a:endParaRPr lang="en-US" altLang="zh-CN" sz="1600">
+              <a:sym typeface="+mn-ea"/>
+            </a:endParaRPr>
+          </a:p>
+          <a:p>
+            <a:pPr marL="742950" lvl="1" indent="-285750">
+              <a:buFont typeface="Wingdings" panose="05000000000000000000" charset="0"/>
+              <a:buChar char=""/>
+            </a:pPr>
+            <a:r>
+              <a:rPr lang="en-US" altLang="zh-CN" sz="1600">
+                <a:sym typeface="+mn-ea"/>
+              </a:rPr>
+              <a:t>OOD Detection: </a:t>
+            </a:r>
+            <a:r>
+              <a:rPr lang="zh-CN" altLang="en-US" sz="1600">
+                <a:sym typeface="+mn-ea"/>
+              </a:rPr>
+              <a:t>把</a:t>
+            </a:r>
+            <a:r>
+              <a:rPr lang="en-US" altLang="zh-CN" sz="1600">
+                <a:sym typeface="+mn-ea"/>
+              </a:rPr>
+              <a:t>OOD</a:t>
+            </a:r>
+            <a:r>
+              <a:rPr lang="zh-CN" altLang="en-US" sz="1600">
+                <a:sym typeface="+mn-ea"/>
+              </a:rPr>
+              <a:t>检测视为二分类任务，将</a:t>
+            </a:r>
+            <a:r>
+              <a:rPr lang="en-US" altLang="zh-CN" sz="1600">
+                <a:sym typeface="+mn-ea"/>
+              </a:rPr>
+              <a:t>Uncertainty</a:t>
+            </a:r>
+            <a:r>
+              <a:rPr lang="zh-CN" altLang="en-US" sz="1600">
+                <a:sym typeface="+mn-ea"/>
+              </a:rPr>
+              <a:t>作为区分</a:t>
+            </a:r>
+            <a:r>
+              <a:rPr lang="en-US" altLang="zh-CN" sz="1600">
+                <a:sym typeface="+mn-ea"/>
+              </a:rPr>
+              <a:t>ID</a:t>
+            </a:r>
+            <a:r>
+              <a:rPr lang="zh-CN" altLang="en-US" sz="1600">
+                <a:sym typeface="+mn-ea"/>
+              </a:rPr>
+              <a:t>和</a:t>
+            </a:r>
+            <a:r>
+              <a:rPr lang="en-US" altLang="zh-CN" sz="1600">
+                <a:sym typeface="+mn-ea"/>
+              </a:rPr>
+              <a:t>OOD</a:t>
+            </a:r>
+            <a:r>
+              <a:rPr lang="zh-CN" altLang="en-US" sz="1600">
+                <a:sym typeface="+mn-ea"/>
+              </a:rPr>
+              <a:t>的标准，计算</a:t>
+            </a:r>
+            <a:r>
+              <a:rPr lang="en-US" altLang="zh-CN" sz="1600">
+                <a:sym typeface="+mn-ea"/>
+              </a:rPr>
+              <a:t>AUROC</a:t>
+            </a:r>
+            <a:endParaRPr lang="zh-CN" altLang="en-US" sz="1600">
               <a:sym typeface="+mn-ea"/>
             </a:endParaRPr>
           </a:p>
@@ -4566,7 +5012,7 @@
       </p:sp>
       <p:pic>
         <p:nvPicPr>
-          <p:cNvPr id="5" name="图片 4"/>
+          <p:cNvPr id="16" name="图片 15"/>
           <p:cNvPicPr>
             <a:picLocks noChangeAspect="1"/>
           </p:cNvPicPr>
@@ -4580,14 +5026,346 @@
         </p:blipFill>
         <p:spPr>
           <a:xfrm>
-            <a:off x="1231265" y="2395220"/>
-            <a:ext cx="8362950" cy="3848100"/>
+            <a:off x="7308850" y="2701290"/>
+            <a:ext cx="3641090" cy="3641090"/>
           </a:xfrm>
           <a:prstGeom prst="rect">
             <a:avLst/>
           </a:prstGeom>
         </p:spPr>
       </p:pic>
+      <p:grpSp>
+        <p:nvGrpSpPr>
+          <p:cNvPr id="19" name="组合 18"/>
+          <p:cNvGrpSpPr/>
+          <p:nvPr/>
+        </p:nvGrpSpPr>
+        <p:grpSpPr>
+          <a:xfrm>
+            <a:off x="560070" y="3583305"/>
+            <a:ext cx="5580380" cy="1753235"/>
+            <a:chOff x="882" y="5643"/>
+            <a:chExt cx="8788" cy="2761"/>
+          </a:xfrm>
+        </p:grpSpPr>
+        <p:grpSp>
+          <p:nvGrpSpPr>
+            <p:cNvPr id="15" name="组合 14"/>
+            <p:cNvGrpSpPr/>
+            <p:nvPr/>
+          </p:nvGrpSpPr>
+          <p:grpSpPr>
+            <a:xfrm>
+              <a:off x="1612" y="5643"/>
+              <a:ext cx="8058" cy="1776"/>
+              <a:chOff x="2548" y="4707"/>
+              <a:chExt cx="8058" cy="1776"/>
+            </a:xfrm>
+          </p:grpSpPr>
+          <p:pic>
+            <p:nvPicPr>
+              <p:cNvPr id="5" name="图片 4"/>
+              <p:cNvPicPr>
+                <a:picLocks noChangeAspect="1"/>
+              </p:cNvPicPr>
+              <p:nvPr/>
+            </p:nvPicPr>
+            <p:blipFill>
+              <a:blip r:embed="rId2"/>
+              <a:stretch>
+                <a:fillRect/>
+              </a:stretch>
+            </p:blipFill>
+            <p:spPr>
+              <a:xfrm>
+                <a:off x="4586" y="4707"/>
+                <a:ext cx="6020" cy="1777"/>
+              </a:xfrm>
+              <a:prstGeom prst="rect">
+                <a:avLst/>
+              </a:prstGeom>
+            </p:spPr>
+          </p:pic>
+          <p:sp>
+            <p:nvSpPr>
+              <p:cNvPr id="13" name="文本框 12"/>
+              <p:cNvSpPr txBox="1"/>
+              <p:nvPr/>
+            </p:nvSpPr>
+            <p:spPr>
+              <a:xfrm>
+                <a:off x="2548" y="5306"/>
+                <a:ext cx="2038" cy="580"/>
+              </a:xfrm>
+              <a:prstGeom prst="rect">
+                <a:avLst/>
+              </a:prstGeom>
+              <a:noFill/>
+            </p:spPr>
+            <p:txBody>
+              <a:bodyPr wrap="none" rtlCol="0">
+                <a:spAutoFit/>
+              </a:bodyPr>
+              <a:p>
+                <a:pPr algn="l"/>
+                <a:r>
+                  <a:rPr lang="en-US" altLang="zh-CN">
+                    <a:sym typeface="+mn-ea"/>
+                  </a:rPr>
+                  <a:t>Brier Score:</a:t>
+                </a:r>
+                <a:endParaRPr lang="zh-CN" altLang="en-US">
+                  <a:sym typeface="+mn-ea"/>
+                </a:endParaRPr>
+              </a:p>
+            </p:txBody>
+          </p:sp>
+        </p:grpSp>
+        <mc:AlternateContent xmlns:mc="http://schemas.openxmlformats.org/markup-compatibility/2006">
+          <mc:Choice xmlns:a14="http://schemas.microsoft.com/office/drawing/2010/main" Requires="a14">
+            <p:sp>
+              <p:nvSpPr>
+                <p:cNvPr id="18" name="文本框 17"/>
+                <p:cNvSpPr txBox="1"/>
+                <p:nvPr/>
+              </p:nvSpPr>
+              <p:spPr>
+                <a:xfrm>
+                  <a:off x="882" y="7420"/>
+                  <a:ext cx="8788" cy="984"/>
+                </a:xfrm>
+                <a:prstGeom prst="rect">
+                  <a:avLst/>
+                </a:prstGeom>
+                <a:noFill/>
+              </p:spPr>
+              <p:txBody>
+                <a:bodyPr wrap="none" rtlCol="0">
+                  <a:spAutoFit/>
+                </a:bodyPr>
+                <a:p>
+                  <a:pPr algn="l"/>
+                  <a14:m>
+                    <m:oMathPara xmlns:m="http://schemas.openxmlformats.org/officeDocument/2006/math">
+                      <m:oMathParaPr>
+                        <m:jc m:val="centerGroup"/>
+                      </m:oMathParaPr>
+                      <m:oMath xmlns:m="http://schemas.openxmlformats.org/officeDocument/2006/math">
+                        <m:sSub>
+                          <m:sSubPr>
+                            <m:ctrlPr>
+                              <a:rPr lang="en-US" altLang="zh-CN" i="1">
+                                <a:latin typeface="DejaVu Math TeX Gyre" panose="02000503000000000000" charset="0"/>
+                                <a:cs typeface="DejaVu Math TeX Gyre" panose="02000503000000000000" charset="0"/>
+                              </a:rPr>
+                            </m:ctrlPr>
+                          </m:sSubPr>
+                          <m:e>
+                            <m:r>
+                              <a:rPr lang="en-US" altLang="zh-CN" i="1">
+                                <a:latin typeface="DejaVu Math TeX Gyre" panose="02000503000000000000" charset="0"/>
+                                <a:cs typeface="DejaVu Math TeX Gyre" panose="02000503000000000000" charset="0"/>
+                              </a:rPr>
+                              <m:t>𝑓</m:t>
+                            </m:r>
+                          </m:e>
+                          <m:sub>
+                            <m:r>
+                              <a:rPr lang="en-US" altLang="zh-CN" i="1">
+                                <a:latin typeface="DejaVu Math TeX Gyre" panose="02000503000000000000" charset="0"/>
+                                <a:cs typeface="DejaVu Math TeX Gyre" panose="02000503000000000000" charset="0"/>
+                              </a:rPr>
+                              <m:t>𝑡𝑖</m:t>
+                            </m:r>
+                          </m:sub>
+                        </m:sSub>
+                        <m:r>
+                          <a:rPr lang="en-US" altLang="zh-CN" i="1">
+                            <a:latin typeface="DejaVu Math TeX Gyre" panose="02000503000000000000" charset="0"/>
+                            <a:cs typeface="DejaVu Math TeX Gyre" panose="02000503000000000000" charset="0"/>
+                          </a:rPr>
+                          <m:t>表示对样本</m:t>
+                        </m:r>
+                        <m:r>
+                          <a:rPr lang="en-US" altLang="zh-CN" i="1">
+                            <a:latin typeface="DejaVu Math TeX Gyre" panose="02000503000000000000" charset="0"/>
+                            <a:cs typeface="DejaVu Math TeX Gyre" panose="02000503000000000000" charset="0"/>
+                          </a:rPr>
+                          <m:t>𝑡</m:t>
+                        </m:r>
+                        <m:r>
+                          <a:rPr lang="en-US" altLang="zh-CN" i="1">
+                            <a:latin typeface="DejaVu Math TeX Gyre" panose="02000503000000000000" charset="0"/>
+                            <a:cs typeface="DejaVu Math TeX Gyre" panose="02000503000000000000" charset="0"/>
+                          </a:rPr>
+                          <m:t>预测为类别</m:t>
+                        </m:r>
+                        <m:r>
+                          <a:rPr lang="en-US" altLang="zh-CN" i="1">
+                            <a:latin typeface="DejaVu Math TeX Gyre" panose="02000503000000000000" charset="0"/>
+                            <a:cs typeface="DejaVu Math TeX Gyre" panose="02000503000000000000" charset="0"/>
+                          </a:rPr>
+                          <m:t>𝑖</m:t>
+                        </m:r>
+                        <m:r>
+                          <a:rPr lang="en-US" altLang="zh-CN" i="1">
+                            <a:latin typeface="DejaVu Math TeX Gyre" panose="02000503000000000000" charset="0"/>
+                            <a:cs typeface="DejaVu Math TeX Gyre" panose="02000503000000000000" charset="0"/>
+                          </a:rPr>
+                          <m:t>的概率</m:t>
+                        </m:r>
+                      </m:oMath>
+                    </m:oMathPara>
+                  </a14:m>
+                  <a:endParaRPr lang="en-US" altLang="zh-CN" i="1">
+                    <a:latin typeface="DejaVu Math TeX Gyre" panose="02000503000000000000" charset="0"/>
+                    <a:cs typeface="DejaVu Math TeX Gyre" panose="02000503000000000000" charset="0"/>
+                  </a:endParaRPr>
+                </a:p>
+                <a:p>
+                  <a:pPr algn="l"/>
+                  <a14:m>
+                    <m:oMathPara xmlns:m="http://schemas.openxmlformats.org/officeDocument/2006/math">
+                      <m:oMathParaPr>
+                        <m:jc m:val="centerGroup"/>
+                      </m:oMathParaPr>
+                      <m:oMath xmlns:m="http://schemas.openxmlformats.org/officeDocument/2006/math">
+                        <m:sSub>
+                          <m:sSubPr>
+                            <m:ctrlPr>
+                              <a:rPr lang="en-US" altLang="zh-CN" i="1">
+                                <a:latin typeface="DejaVu Math TeX Gyre" panose="02000503000000000000" charset="0"/>
+                                <a:cs typeface="DejaVu Math TeX Gyre" panose="02000503000000000000" charset="0"/>
+                              </a:rPr>
+                            </m:ctrlPr>
+                          </m:sSubPr>
+                          <m:e>
+                            <m:r>
+                              <a:rPr lang="en-US" altLang="zh-CN" i="1">
+                                <a:latin typeface="DejaVu Math TeX Gyre" panose="02000503000000000000" charset="0"/>
+                                <a:cs typeface="DejaVu Math TeX Gyre" panose="02000503000000000000" charset="0"/>
+                              </a:rPr>
+                              <m:t>𝑜</m:t>
+                            </m:r>
+                          </m:e>
+                          <m:sub>
+                            <m:r>
+                              <a:rPr lang="en-US" altLang="zh-CN" i="1">
+                                <a:latin typeface="DejaVu Math TeX Gyre" panose="02000503000000000000" charset="0"/>
+                                <a:cs typeface="DejaVu Math TeX Gyre" panose="02000503000000000000" charset="0"/>
+                              </a:rPr>
+                              <m:t>𝑡𝑖</m:t>
+                            </m:r>
+                          </m:sub>
+                        </m:sSub>
+                        <m:r>
+                          <a:rPr lang="en-US" altLang="zh-CN" i="1">
+                            <a:latin typeface="DejaVu Math TeX Gyre" panose="02000503000000000000" charset="0"/>
+                            <a:cs typeface="DejaVu Math TeX Gyre" panose="02000503000000000000" charset="0"/>
+                          </a:rPr>
+                          <m:t>表示对样本</m:t>
+                        </m:r>
+                        <m:r>
+                          <a:rPr lang="en-US" altLang="zh-CN" i="1">
+                            <a:latin typeface="DejaVu Math TeX Gyre" panose="02000503000000000000" charset="0"/>
+                            <a:cs typeface="DejaVu Math TeX Gyre" panose="02000503000000000000" charset="0"/>
+                          </a:rPr>
+                          <m:t>𝑡</m:t>
+                        </m:r>
+                        <m:r>
+                          <a:rPr lang="en-US" altLang="zh-CN" i="1">
+                            <a:latin typeface="DejaVu Math TeX Gyre" panose="02000503000000000000" charset="0"/>
+                            <a:cs typeface="DejaVu Math TeX Gyre" panose="02000503000000000000" charset="0"/>
+                          </a:rPr>
+                          <m:t>，如果真实</m:t>
+                        </m:r>
+                        <m:r>
+                          <a:rPr lang="en-US" altLang="zh-CN" i="1">
+                            <a:latin typeface="DejaVu Math TeX Gyre" panose="02000503000000000000" charset="0"/>
+                            <a:cs typeface="DejaVu Math TeX Gyre" panose="02000503000000000000" charset="0"/>
+                          </a:rPr>
+                          <m:t>类别为</m:t>
+                        </m:r>
+                        <m:r>
+                          <a:rPr lang="en-US" altLang="zh-CN" i="1">
+                            <a:latin typeface="DejaVu Math TeX Gyre" panose="02000503000000000000" charset="0"/>
+                            <a:cs typeface="DejaVu Math TeX Gyre" panose="02000503000000000000" charset="0"/>
+                          </a:rPr>
+                          <m:t>𝑖</m:t>
+                        </m:r>
+                        <m:r>
+                          <a:rPr lang="en-US" altLang="zh-CN" i="1">
+                            <a:latin typeface="DejaVu Math TeX Gyre" panose="02000503000000000000" charset="0"/>
+                            <a:cs typeface="DejaVu Math TeX Gyre" panose="02000503000000000000" charset="0"/>
+                          </a:rPr>
+                          <m:t>，则取</m:t>
+                        </m:r>
+                        <m:r>
+                          <a:rPr lang="en-US" altLang="zh-CN" i="1">
+                            <a:latin typeface="DejaVu Math TeX Gyre" panose="02000503000000000000" charset="0"/>
+                            <a:cs typeface="DejaVu Math TeX Gyre" panose="02000503000000000000" charset="0"/>
+                          </a:rPr>
+                          <m:t>1</m:t>
+                        </m:r>
+                        <m:r>
+                          <a:rPr lang="en-US" altLang="zh-CN" i="1">
+                            <a:latin typeface="DejaVu Math TeX Gyre" panose="02000503000000000000" charset="0"/>
+                            <a:cs typeface="DejaVu Math TeX Gyre" panose="02000503000000000000" charset="0"/>
+                          </a:rPr>
+                          <m:t>，否则取</m:t>
+                        </m:r>
+                        <m:r>
+                          <a:rPr lang="en-US" altLang="zh-CN" i="1">
+                            <a:latin typeface="DejaVu Math TeX Gyre" panose="02000503000000000000" charset="0"/>
+                            <a:cs typeface="DejaVu Math TeX Gyre" panose="02000503000000000000" charset="0"/>
+                          </a:rPr>
+                          <m:t>0</m:t>
+                        </m:r>
+                      </m:oMath>
+                    </m:oMathPara>
+                  </a14:m>
+                  <a:endParaRPr lang="en-US" altLang="zh-CN"/>
+                </a:p>
+              </p:txBody>
+            </p:sp>
+          </mc:Choice>
+          <mc:Fallback>
+            <p:sp>
+              <p:nvSpPr>
+                <p:cNvPr id="18" name="文本框 17"/>
+                <p:cNvSpPr txBox="1">
+                  <a:spLocks noRot="1" noChangeAspect="1" noMove="1" noResize="1" noEditPoints="1" noAdjustHandles="1" noChangeArrowheads="1" noChangeShapeType="1" noTextEdit="1"/>
+                </p:cNvSpPr>
+                <p:nvPr/>
+              </p:nvSpPr>
+              <p:spPr>
+                <a:xfrm>
+                  <a:off x="882" y="7420"/>
+                  <a:ext cx="8788" cy="984"/>
+                </a:xfrm>
+                <a:prstGeom prst="rect">
+                  <a:avLst/>
+                </a:prstGeom>
+                <a:blipFill rotWithShape="1">
+                  <a:blip r:embed="rId3"/>
+                </a:blipFill>
+              </p:spPr>
+              <p:txBody>
+                <a:bodyPr/>
+                <a:lstStyle/>
+                <a:p>
+                  <a:r>
+                    <a:rPr lang="zh-CN" altLang="en-US">
+                      <a:noFill/>
+                    </a:rPr>
+                    <a:t> </a:t>
+                  </a:r>
+                </a:p>
+              </p:txBody>
+            </p:sp>
+          </mc:Fallback>
+        </mc:AlternateContent>
+      </p:grpSp>
     </p:spTree>
   </p:cSld>
   <p:clrMapOvr>
@@ -4658,7 +5436,7 @@
               </a:rPr>
               <a:t>Experiments</a:t>
             </a:r>
-            <a:endParaRPr lang="zh-CN" altLang="en-US" sz="2800" b="1" dirty="0">
+            <a:endParaRPr lang="en-US" altLang="zh-CN" sz="2800" b="1" dirty="0">
               <a:solidFill>
                 <a:schemeClr val="tx1"/>
               </a:solidFill>
@@ -4754,7 +5532,7 @@
       </p:sp>
       <p:pic>
         <p:nvPicPr>
-          <p:cNvPr id="3" name="图片 2"/>
+          <p:cNvPr id="5" name="图片 4"/>
           <p:cNvPicPr>
             <a:picLocks noChangeAspect="1"/>
           </p:cNvPicPr>
@@ -4768,32 +5546,8 @@
         </p:blipFill>
         <p:spPr>
           <a:xfrm>
-            <a:off x="712470" y="3427095"/>
-            <a:ext cx="4705350" cy="1933575"/>
-          </a:xfrm>
-          <a:prstGeom prst="rect">
-            <a:avLst/>
-          </a:prstGeom>
-        </p:spPr>
-      </p:pic>
-      <p:pic>
-        <p:nvPicPr>
-          <p:cNvPr id="4" name="图片 3"/>
-          <p:cNvPicPr>
-            <a:picLocks noChangeAspect="1"/>
-          </p:cNvPicPr>
-          <p:nvPr/>
-        </p:nvPicPr>
-        <p:blipFill>
-          <a:blip r:embed="rId2"/>
-          <a:stretch>
-            <a:fillRect/>
-          </a:stretch>
-        </p:blipFill>
-        <p:spPr>
-          <a:xfrm>
-            <a:off x="5906135" y="3427095"/>
-            <a:ext cx="4686300" cy="1876425"/>
+            <a:off x="1231265" y="2395220"/>
+            <a:ext cx="8362950" cy="3848100"/>
           </a:xfrm>
           <a:prstGeom prst="rect">
             <a:avLst/>
@@ -4908,12 +5662,12 @@
               <a:buChar char=""/>
             </a:pPr>
             <a:r>
-              <a:rPr lang="en-US" sz="1600">
-                <a:sym typeface="+mn-ea"/>
-              </a:rPr>
-              <a:t>Architectures</a:t>
-            </a:r>
-            <a:endParaRPr lang="en-US" sz="1600">
+              <a:rPr sz="1600">
+                <a:sym typeface="+mn-ea"/>
+              </a:rPr>
+              <a:t>Training</a:t>
+            </a:r>
+            <a:endParaRPr sz="1600">
               <a:sym typeface="+mn-ea"/>
             </a:endParaRPr>
           </a:p>
@@ -4923,12 +5677,12 @@
               <a:buChar char=""/>
             </a:pPr>
             <a:r>
-              <a:rPr lang="en-US" sz="1600">
-                <a:sym typeface="+mn-ea"/>
-              </a:rPr>
-              <a:t>Latent dimension</a:t>
-            </a:r>
-            <a:endParaRPr lang="en-US" sz="1600">
+              <a:rPr sz="1600">
+                <a:sym typeface="+mn-ea"/>
+              </a:rPr>
+              <a:t>Decoupling learning rates</a:t>
+            </a:r>
+            <a:endParaRPr sz="1600">
               <a:sym typeface="+mn-ea"/>
             </a:endParaRPr>
           </a:p>
@@ -4941,7 +5695,7 @@
               <a:rPr lang="en-US" sz="1600">
                 <a:sym typeface="+mn-ea"/>
               </a:rPr>
-              <a:t>Architecture type and size</a:t>
+              <a:t>Training schemes: joint training vs sequential training</a:t>
             </a:r>
             <a:endParaRPr lang="en-US" sz="1600">
               <a:sym typeface="+mn-ea"/>
@@ -4956,7 +5710,7 @@
               <a:rPr lang="en-US" sz="1600">
                 <a:sym typeface="+mn-ea"/>
               </a:rPr>
-              <a:t>Regularization constraints</a:t>
+              <a:t>Pretraining schemes</a:t>
             </a:r>
             <a:endParaRPr lang="en-US" sz="1600">
               <a:sym typeface="+mn-ea"/>
@@ -4966,7 +5720,7 @@
       </p:sp>
       <p:pic>
         <p:nvPicPr>
-          <p:cNvPr id="4" name="图片 3"/>
+          <p:cNvPr id="3" name="图片 2"/>
           <p:cNvPicPr>
             <a:picLocks noChangeAspect="1"/>
           </p:cNvPicPr>
@@ -4980,8 +5734,32 @@
         </p:blipFill>
         <p:spPr>
           <a:xfrm>
-            <a:off x="1072515" y="2596515"/>
-            <a:ext cx="8353425" cy="3028950"/>
+            <a:off x="712470" y="3427095"/>
+            <a:ext cx="4705350" cy="1933575"/>
+          </a:xfrm>
+          <a:prstGeom prst="rect">
+            <a:avLst/>
+          </a:prstGeom>
+        </p:spPr>
+      </p:pic>
+      <p:pic>
+        <p:nvPicPr>
+          <p:cNvPr id="4" name="图片 3"/>
+          <p:cNvPicPr>
+            <a:picLocks noChangeAspect="1"/>
+          </p:cNvPicPr>
+          <p:nvPr/>
+        </p:nvPicPr>
+        <p:blipFill>
+          <a:blip r:embed="rId2"/>
+          <a:stretch>
+            <a:fillRect/>
+          </a:stretch>
+        </p:blipFill>
+        <p:spPr>
+          <a:xfrm>
+            <a:off x="5906135" y="3427095"/>
+            <a:ext cx="4686300" cy="1876425"/>
           </a:xfrm>
           <a:prstGeom prst="rect">
             <a:avLst/>
@@ -5154,7 +5932,7 @@
       </p:sp>
       <p:pic>
         <p:nvPicPr>
-          <p:cNvPr id="5" name="图片 4"/>
+          <p:cNvPr id="4" name="图片 3"/>
           <p:cNvPicPr>
             <a:picLocks noChangeAspect="1"/>
           </p:cNvPicPr>
@@ -5168,8 +5946,8 @@
         </p:blipFill>
         <p:spPr>
           <a:xfrm>
-            <a:off x="1517650" y="2756535"/>
-            <a:ext cx="6334125" cy="1762125"/>
+            <a:off x="1072515" y="2596515"/>
+            <a:ext cx="8353425" cy="3028950"/>
           </a:xfrm>
           <a:prstGeom prst="rect">
             <a:avLst/>
@@ -5342,7 +6120,7 @@
       </p:sp>
       <p:pic>
         <p:nvPicPr>
-          <p:cNvPr id="3" name="图片 2"/>
+          <p:cNvPr id="5" name="图片 4"/>
           <p:cNvPicPr>
             <a:picLocks noChangeAspect="1"/>
           </p:cNvPicPr>
@@ -5356,32 +6134,8 @@
         </p:blipFill>
         <p:spPr>
           <a:xfrm>
-            <a:off x="1071245" y="2682240"/>
-            <a:ext cx="4524375" cy="3305175"/>
-          </a:xfrm>
-          <a:prstGeom prst="rect">
-            <a:avLst/>
-          </a:prstGeom>
-        </p:spPr>
-      </p:pic>
-      <p:pic>
-        <p:nvPicPr>
-          <p:cNvPr id="4" name="图片 3"/>
-          <p:cNvPicPr>
-            <a:picLocks noChangeAspect="1"/>
-          </p:cNvPicPr>
-          <p:nvPr/>
-        </p:nvPicPr>
-        <p:blipFill>
-          <a:blip r:embed="rId2"/>
-          <a:stretch>
-            <a:fillRect/>
-          </a:stretch>
-        </p:blipFill>
-        <p:spPr>
-          <a:xfrm>
-            <a:off x="6574790" y="2922905"/>
-            <a:ext cx="4686300" cy="3257550"/>
+            <a:off x="1517650" y="2756535"/>
+            <a:ext cx="6334125" cy="1762125"/>
           </a:xfrm>
           <a:prstGeom prst="rect">
             <a:avLst/>
@@ -5696,7 +6450,7 @@
         <p:spPr>
           <a:xfrm>
             <a:off x="712470" y="1104265"/>
-            <a:ext cx="10873740" cy="583565"/>
+            <a:ext cx="10873740" cy="1076325"/>
           </a:xfrm>
           <a:prstGeom prst="rect">
             <a:avLst/>
@@ -5713,31 +6467,55 @@
               <a:buChar char=""/>
             </a:pPr>
             <a:r>
-              <a:rPr sz="1600">
-                <a:sym typeface="+mn-ea"/>
-              </a:rPr>
-              <a:t>P</a:t>
-            </a:r>
-            <a:r>
               <a:rPr lang="en-US" sz="1600">
                 <a:sym typeface="+mn-ea"/>
               </a:rPr>
-              <a:t>iror</a:t>
+              <a:t>Architectures</a:t>
             </a:r>
             <a:endParaRPr lang="en-US" sz="1600">
               <a:sym typeface="+mn-ea"/>
             </a:endParaRPr>
           </a:p>
           <a:p>
-            <a:pPr marL="285750" indent="-285750">
+            <a:pPr marL="742950" lvl="1" indent="-285750">
               <a:buFont typeface="Wingdings" panose="05000000000000000000" charset="0"/>
-              <a:buChar char=""/>
+              <a:buChar char=""/>
             </a:pPr>
             <a:r>
               <a:rPr lang="en-US" sz="1600">
                 <a:sym typeface="+mn-ea"/>
               </a:rPr>
-              <a:t>NatPN</a:t>
+              <a:t>Latent dimension</a:t>
+            </a:r>
+            <a:endParaRPr lang="en-US" sz="1600">
+              <a:sym typeface="+mn-ea"/>
+            </a:endParaRPr>
+          </a:p>
+          <a:p>
+            <a:pPr marL="742950" lvl="1" indent="-285750">
+              <a:buFont typeface="Wingdings" panose="05000000000000000000" charset="0"/>
+              <a:buChar char=""/>
+            </a:pPr>
+            <a:r>
+              <a:rPr lang="en-US" sz="1600">
+                <a:sym typeface="+mn-ea"/>
+              </a:rPr>
+              <a:t>Architecture type and size</a:t>
+            </a:r>
+            <a:endParaRPr lang="en-US" sz="1600">
+              <a:sym typeface="+mn-ea"/>
+            </a:endParaRPr>
+          </a:p>
+          <a:p>
+            <a:pPr marL="742950" lvl="1" indent="-285750">
+              <a:buFont typeface="Wingdings" panose="05000000000000000000" charset="0"/>
+              <a:buChar char=""/>
+            </a:pPr>
+            <a:r>
+              <a:rPr lang="en-US" sz="1600">
+                <a:sym typeface="+mn-ea"/>
+              </a:rPr>
+              <a:t>Regularization constraints</a:t>
             </a:r>
             <a:endParaRPr lang="en-US" sz="1600">
               <a:sym typeface="+mn-ea"/>
@@ -5761,14 +6539,100 @@
         </p:blipFill>
         <p:spPr>
           <a:xfrm>
-            <a:off x="1181735" y="1993900"/>
-            <a:ext cx="9934575" cy="3790950"/>
+            <a:off x="1071245" y="2682240"/>
+            <a:ext cx="4524375" cy="3305175"/>
           </a:xfrm>
           <a:prstGeom prst="rect">
             <a:avLst/>
           </a:prstGeom>
         </p:spPr>
       </p:pic>
+      <p:pic>
+        <p:nvPicPr>
+          <p:cNvPr id="4" name="图片 3"/>
+          <p:cNvPicPr>
+            <a:picLocks noChangeAspect="1"/>
+          </p:cNvPicPr>
+          <p:nvPr/>
+        </p:nvPicPr>
+        <p:blipFill>
+          <a:blip r:embed="rId2"/>
+          <a:stretch>
+            <a:fillRect/>
+          </a:stretch>
+        </p:blipFill>
+        <p:spPr>
+          <a:xfrm>
+            <a:off x="6574790" y="2729865"/>
+            <a:ext cx="4686300" cy="3257550"/>
+          </a:xfrm>
+          <a:prstGeom prst="rect">
+            <a:avLst/>
+          </a:prstGeom>
+        </p:spPr>
+      </p:pic>
+      <p:sp>
+        <p:nvSpPr>
+          <p:cNvPr id="5" name="文本框 4"/>
+          <p:cNvSpPr txBox="1"/>
+          <p:nvPr/>
+        </p:nvSpPr>
+        <p:spPr>
+          <a:xfrm>
+            <a:off x="2199640" y="6076315"/>
+            <a:ext cx="1901825" cy="368300"/>
+          </a:xfrm>
+          <a:prstGeom prst="rect">
+            <a:avLst/>
+          </a:prstGeom>
+          <a:noFill/>
+        </p:spPr>
+        <p:txBody>
+          <a:bodyPr wrap="square" rtlCol="0">
+            <a:spAutoFit/>
+          </a:bodyPr>
+          <a:p>
+            <a:r>
+              <a:rPr lang="en-US" altLang="zh-CN"/>
+              <a:t>Bi-lipschitz</a:t>
+            </a:r>
+            <a:r>
+              <a:rPr lang="zh-CN" altLang="en-US"/>
+              <a:t>约束</a:t>
+            </a:r>
+            <a:endParaRPr lang="zh-CN" altLang="en-US"/>
+          </a:p>
+        </p:txBody>
+      </p:sp>
+      <p:sp>
+        <p:nvSpPr>
+          <p:cNvPr id="7" name="文本框 6"/>
+          <p:cNvSpPr txBox="1"/>
+          <p:nvPr/>
+        </p:nvSpPr>
+        <p:spPr>
+          <a:xfrm>
+            <a:off x="7786370" y="6076315"/>
+            <a:ext cx="1097280" cy="368300"/>
+          </a:xfrm>
+          <a:prstGeom prst="rect">
+            <a:avLst/>
+          </a:prstGeom>
+          <a:noFill/>
+        </p:spPr>
+        <p:txBody>
+          <a:bodyPr wrap="none" rtlCol="0">
+            <a:spAutoFit/>
+          </a:bodyPr>
+          <a:p>
+            <a:r>
+              <a:rPr lang="zh-CN" altLang="en-US"/>
+              <a:t>重建约束</a:t>
+            </a:r>
+            <a:endParaRPr lang="zh-CN" altLang="en-US"/>
+          </a:p>
+        </p:txBody>
+      </p:sp>
     </p:spTree>
   </p:cSld>
   <p:clrMapOvr>
@@ -5901,7 +6765,7 @@
               <a:rPr lang="en-US" sz="1600">
                 <a:sym typeface="+mn-ea"/>
               </a:rPr>
-              <a:t>DUE</a:t>
+              <a:t>NatPN</a:t>
             </a:r>
             <a:endParaRPr lang="en-US" sz="1600">
               <a:sym typeface="+mn-ea"/>
@@ -5911,7 +6775,7 @@
       </p:sp>
       <p:pic>
         <p:nvPicPr>
-          <p:cNvPr id="4" name="图片 3"/>
+          <p:cNvPr id="3" name="图片 2"/>
           <p:cNvPicPr>
             <a:picLocks noChangeAspect="1"/>
           </p:cNvPicPr>
@@ -5925,8 +6789,8 @@
         </p:blipFill>
         <p:spPr>
           <a:xfrm>
-            <a:off x="2244090" y="2380615"/>
-            <a:ext cx="5981700" cy="1295400"/>
+            <a:off x="1181735" y="1993900"/>
+            <a:ext cx="9934575" cy="3790950"/>
           </a:xfrm>
           <a:prstGeom prst="rect">
             <a:avLst/>
@@ -5979,7 +6843,7 @@
         <p:spPr>
           <a:xfrm>
             <a:off x="304543" y="486560"/>
-            <a:ext cx="1888490" cy="521970"/>
+            <a:ext cx="2125980" cy="521970"/>
           </a:xfrm>
           <a:prstGeom prst="rect">
             <a:avLst/>
@@ -6001,9 +6865,9 @@
                 <a:cs typeface="微软雅黑" charset="-122"/>
                 <a:sym typeface="+mn-ea"/>
               </a:rPr>
-              <a:t>Conclusion</a:t>
-            </a:r>
-            <a:endParaRPr lang="en-US" altLang="zh-CN" sz="2800" b="1" dirty="0">
+              <a:t>Experiments</a:t>
+            </a:r>
+            <a:endParaRPr lang="zh-CN" altLang="en-US" sz="2800" b="1" dirty="0">
               <a:solidFill>
                 <a:schemeClr val="tx1"/>
               </a:solidFill>
@@ -6024,7 +6888,7 @@
         <p:spPr>
           <a:xfrm>
             <a:off x="712470" y="1104265"/>
-            <a:ext cx="10873740" cy="1322070"/>
+            <a:ext cx="10873740" cy="583565"/>
           </a:xfrm>
           <a:prstGeom prst="rect">
             <a:avLst/>
@@ -6041,125 +6905,62 @@
               <a:buChar char=""/>
             </a:pPr>
             <a:r>
+              <a:rPr sz="1600">
+                <a:sym typeface="+mn-ea"/>
+              </a:rPr>
+              <a:t>P</a:t>
+            </a:r>
+            <a:r>
               <a:rPr lang="en-US" sz="1600">
                 <a:sym typeface="+mn-ea"/>
               </a:rPr>
-              <a:t>Conclusion</a:t>
+              <a:t>iror</a:t>
             </a:r>
             <a:endParaRPr lang="en-US" sz="1600">
               <a:sym typeface="+mn-ea"/>
             </a:endParaRPr>
           </a:p>
           <a:p>
-            <a:pPr marL="742950" lvl="1" indent="-285750">
+            <a:pPr marL="285750" indent="-285750">
               <a:buFont typeface="Wingdings" panose="05000000000000000000" charset="0"/>
-              <a:buChar char=""/>
-            </a:pPr>
-            <a:r>
-              <a:rPr lang="zh-CN" altLang="en-US" sz="1600">
-                <a:sym typeface="+mn-ea"/>
-              </a:rPr>
-              <a:t>解耦</a:t>
-            </a:r>
-            <a:r>
-              <a:rPr lang="en-US" altLang="zh-CN" sz="1600">
-                <a:sym typeface="+mn-ea"/>
-              </a:rPr>
-              <a:t>core architecture </a:t>
-            </a:r>
-            <a:r>
-              <a:rPr lang="zh-CN" altLang="en-US" sz="1600">
-                <a:sym typeface="+mn-ea"/>
-              </a:rPr>
-              <a:t>和</a:t>
-            </a:r>
-            <a:r>
-              <a:rPr lang="en-US" altLang="zh-CN" sz="1600">
-                <a:sym typeface="+mn-ea"/>
-              </a:rPr>
-              <a:t>uncertainty head</a:t>
-            </a:r>
-            <a:r>
-              <a:rPr lang="zh-CN" altLang="en-US" sz="1600">
-                <a:sym typeface="+mn-ea"/>
-              </a:rPr>
-              <a:t>可以提升</a:t>
-            </a:r>
-            <a:endParaRPr lang="zh-CN" altLang="en-US" sz="1600">
-              <a:sym typeface="+mn-ea"/>
-            </a:endParaRPr>
-          </a:p>
-          <a:p>
-            <a:pPr marL="742950" lvl="1" indent="-285750">
-              <a:buFont typeface="Wingdings" panose="05000000000000000000" charset="0"/>
-              <a:buChar char=""/>
-            </a:pPr>
-            <a:r>
-              <a:rPr lang="zh-CN" altLang="en-US" sz="1600">
-                <a:sym typeface="+mn-ea"/>
-              </a:rPr>
-              <a:t>表达能力更强的</a:t>
-            </a:r>
-            <a:r>
-              <a:rPr lang="en-US" altLang="zh-CN" sz="1600">
-                <a:sym typeface="+mn-ea"/>
-              </a:rPr>
-              <a:t>core architecture</a:t>
-            </a:r>
-            <a:r>
-              <a:rPr lang="zh-CN" altLang="en-US" sz="1600">
-                <a:sym typeface="+mn-ea"/>
-              </a:rPr>
-              <a:t>可以提升</a:t>
-            </a:r>
-            <a:endParaRPr lang="zh-CN" altLang="en-US" sz="1600">
-              <a:sym typeface="+mn-ea"/>
-            </a:endParaRPr>
-          </a:p>
-          <a:p>
-            <a:pPr marL="742950" lvl="1" indent="-285750">
-              <a:buFont typeface="Wingdings" panose="05000000000000000000" charset="0"/>
-              <a:buChar char=""/>
-            </a:pPr>
-            <a:r>
-              <a:rPr lang="zh-CN" altLang="en-US" sz="1600">
-                <a:sym typeface="+mn-ea"/>
-              </a:rPr>
-              <a:t>为了避免</a:t>
-            </a:r>
-            <a:r>
-              <a:rPr lang="en-US" altLang="zh-CN" sz="1600">
-                <a:sym typeface="+mn-ea"/>
-              </a:rPr>
-              <a:t>feature collapse</a:t>
-            </a:r>
-            <a:r>
-              <a:rPr lang="zh-CN" altLang="en-US" sz="1600">
-                <a:sym typeface="+mn-ea"/>
-              </a:rPr>
-              <a:t>添加额外的约束</a:t>
-            </a:r>
-            <a:endParaRPr lang="zh-CN" altLang="en-US" sz="1600">
-              <a:sym typeface="+mn-ea"/>
-            </a:endParaRPr>
-          </a:p>
-          <a:p>
-            <a:pPr marL="742950" lvl="1" indent="-285750">
-              <a:buFont typeface="Wingdings" panose="05000000000000000000" charset="0"/>
-              <a:buChar char=""/>
-            </a:pPr>
-            <a:r>
-              <a:rPr lang="zh-CN" altLang="en-US" sz="1600">
-                <a:sym typeface="+mn-ea"/>
-              </a:rPr>
-              <a:t>先验的选择影响不大</a:t>
-            </a:r>
-            <a:endParaRPr lang="zh-CN" altLang="en-US" sz="1600">
+              <a:buChar char=""/>
+            </a:pPr>
+            <a:r>
+              <a:rPr lang="en-US" sz="1600">
+                <a:sym typeface="+mn-ea"/>
+              </a:rPr>
+              <a:t>DUE</a:t>
+            </a:r>
+            <a:endParaRPr lang="en-US" sz="1600">
               <a:sym typeface="+mn-ea"/>
             </a:endParaRPr>
           </a:p>
         </p:txBody>
       </p:sp>
+      <p:pic>
+        <p:nvPicPr>
+          <p:cNvPr id="4" name="图片 3"/>
+          <p:cNvPicPr>
+            <a:picLocks noChangeAspect="1"/>
+          </p:cNvPicPr>
+          <p:nvPr/>
+        </p:nvPicPr>
+        <p:blipFill>
+          <a:blip r:embed="rId1"/>
+          <a:stretch>
+            <a:fillRect/>
+          </a:stretch>
+        </p:blipFill>
+        <p:spPr>
+          <a:xfrm>
+            <a:off x="2244090" y="2380615"/>
+            <a:ext cx="5981700" cy="1295400"/>
+          </a:xfrm>
+          <a:prstGeom prst="rect">
+            <a:avLst/>
+          </a:prstGeom>
+        </p:spPr>
+      </p:pic>
     </p:spTree>
   </p:cSld>
   <p:clrMapOvr>
@@ -6199,14 +7000,59 @@
       </p:grpSpPr>
       <p:sp>
         <p:nvSpPr>
-          <p:cNvPr id="3" name="文本框 2"/>
+          <p:cNvPr id="6" name="矩形 5"/>
+          <p:cNvSpPr/>
+          <p:nvPr/>
+        </p:nvSpPr>
+        <p:spPr>
+          <a:xfrm>
+            <a:off x="304543" y="486560"/>
+            <a:ext cx="1888490" cy="521970"/>
+          </a:xfrm>
+          <a:prstGeom prst="rect">
+            <a:avLst/>
+          </a:prstGeom>
+        </p:spPr>
+        <p:txBody>
+          <a:bodyPr wrap="none">
+            <a:spAutoFit/>
+          </a:bodyPr>
+          <a:lstStyle/>
+          <a:p>
+            <a:pPr algn="l" defTabSz="914400">
+              <a:defRPr/>
+            </a:pPr>
+            <a:r>
+              <a:rPr lang="en-US" altLang="zh-CN" sz="2800" b="1" dirty="0">
+                <a:latin typeface="微软雅黑" charset="-122"/>
+                <a:ea typeface="微软雅黑" charset="-122"/>
+                <a:cs typeface="微软雅黑" charset="-122"/>
+                <a:sym typeface="+mn-ea"/>
+              </a:rPr>
+              <a:t>Conclusion</a:t>
+            </a:r>
+            <a:endParaRPr lang="en-US" altLang="zh-CN" sz="2800" b="1" dirty="0">
+              <a:solidFill>
+                <a:schemeClr val="tx1"/>
+              </a:solidFill>
+              <a:latin typeface="微软雅黑" charset="-122"/>
+              <a:ea typeface="微软雅黑" charset="-122"/>
+              <a:cs typeface="微软雅黑" charset="-122"/>
+              <a:sym typeface="+mn-ea"/>
+            </a:endParaRPr>
+          </a:p>
+        </p:txBody>
+      </p:sp>
+      <p:sp>
+        <p:nvSpPr>
+          <p:cNvPr id="2" name="文本框 1"/>
           <p:cNvSpPr txBox="1"/>
           <p:nvPr/>
         </p:nvSpPr>
         <p:spPr>
           <a:xfrm>
-            <a:off x="4385310" y="3061335"/>
-            <a:ext cx="2037080" cy="565150"/>
+            <a:off x="712470" y="1104265"/>
+            <a:ext cx="10873740" cy="1322070"/>
           </a:xfrm>
           <a:prstGeom prst="rect">
             <a:avLst/>
@@ -6218,20 +7064,125 @@
             <a:spAutoFit/>
           </a:bodyPr>
           <a:p>
-            <a:pPr marL="0" indent="0" algn="ctr">
-              <a:lnSpc>
-                <a:spcPct val="110000"/>
-              </a:lnSpc>
+            <a:pPr marL="285750" indent="-285750">
               <a:buFont typeface="Wingdings" panose="05000000000000000000" charset="0"/>
-              <a:buNone/>
-            </a:pPr>
-            <a:r>
-              <a:rPr lang="zh-CN" altLang="en-US" sz="2800">
-                <a:sym typeface="+mn-ea"/>
-              </a:rPr>
-              <a:t>总结</a:t>
-            </a:r>
-            <a:endParaRPr lang="zh-CN" altLang="en-US" sz="2800">
+              <a:buChar char=""/>
+            </a:pPr>
+            <a:r>
+              <a:rPr lang="en-US" sz="1600">
+                <a:sym typeface="+mn-ea"/>
+              </a:rPr>
+              <a:t>Conclusion</a:t>
+            </a:r>
+            <a:endParaRPr lang="en-US" sz="1600">
+              <a:sym typeface="+mn-ea"/>
+            </a:endParaRPr>
+          </a:p>
+          <a:p>
+            <a:pPr marL="742950" lvl="1" indent="-285750">
+              <a:buFont typeface="Wingdings" panose="05000000000000000000" charset="0"/>
+              <a:buChar char=""/>
+            </a:pPr>
+            <a:r>
+              <a:rPr lang="zh-CN" altLang="en-US" sz="1600">
+                <a:sym typeface="+mn-ea"/>
+              </a:rPr>
+              <a:t>解耦</a:t>
+            </a:r>
+            <a:r>
+              <a:rPr lang="en-US" altLang="zh-CN" sz="1600">
+                <a:sym typeface="+mn-ea"/>
+              </a:rPr>
+              <a:t>core architecture </a:t>
+            </a:r>
+            <a:r>
+              <a:rPr lang="zh-CN" altLang="en-US" sz="1600">
+                <a:sym typeface="+mn-ea"/>
+              </a:rPr>
+              <a:t>和</a:t>
+            </a:r>
+            <a:r>
+              <a:rPr lang="en-US" altLang="zh-CN" sz="1600">
+                <a:sym typeface="+mn-ea"/>
+              </a:rPr>
+              <a:t>uncertainty head</a:t>
+            </a:r>
+            <a:r>
+              <a:rPr lang="zh-CN" altLang="en-US" sz="1600">
+                <a:sym typeface="+mn-ea"/>
+              </a:rPr>
+              <a:t>可以提升</a:t>
+            </a:r>
+            <a:endParaRPr lang="zh-CN" altLang="en-US" sz="1600">
+              <a:sym typeface="+mn-ea"/>
+            </a:endParaRPr>
+          </a:p>
+          <a:p>
+            <a:pPr marL="742950" lvl="1" indent="-285750">
+              <a:buFont typeface="Wingdings" panose="05000000000000000000" charset="0"/>
+              <a:buChar char=""/>
+            </a:pPr>
+            <a:r>
+              <a:rPr lang="zh-CN" altLang="en-US" sz="1600">
+                <a:sym typeface="+mn-ea"/>
+              </a:rPr>
+              <a:t>表达能力更强的</a:t>
+            </a:r>
+            <a:r>
+              <a:rPr lang="en-US" altLang="zh-CN" sz="1600">
+                <a:sym typeface="+mn-ea"/>
+              </a:rPr>
+              <a:t>core architecture</a:t>
+            </a:r>
+            <a:r>
+              <a:rPr lang="zh-CN" altLang="en-US" sz="1600">
+                <a:sym typeface="+mn-ea"/>
+              </a:rPr>
+              <a:t>可以提升</a:t>
+            </a:r>
+            <a:endParaRPr lang="zh-CN" altLang="en-US" sz="1600">
+              <a:sym typeface="+mn-ea"/>
+            </a:endParaRPr>
+          </a:p>
+          <a:p>
+            <a:pPr marL="742950" lvl="1" indent="-285750">
+              <a:buFont typeface="Wingdings" panose="05000000000000000000" charset="0"/>
+              <a:buChar char=""/>
+            </a:pPr>
+            <a:r>
+              <a:rPr lang="zh-CN" altLang="en-US" sz="1600">
+                <a:sym typeface="+mn-ea"/>
+              </a:rPr>
+              <a:t>为了避免</a:t>
+            </a:r>
+            <a:r>
+              <a:rPr lang="en-US" altLang="zh-CN" sz="1600">
+                <a:sym typeface="+mn-ea"/>
+              </a:rPr>
+              <a:t>feature collapse</a:t>
+            </a:r>
+            <a:r>
+              <a:rPr lang="zh-CN" altLang="en-US" sz="1600">
+                <a:sym typeface="+mn-ea"/>
+              </a:rPr>
+              <a:t>添加额外的约束</a:t>
+            </a:r>
+            <a:endParaRPr lang="zh-CN" altLang="en-US" sz="1600">
+              <a:sym typeface="+mn-ea"/>
+            </a:endParaRPr>
+          </a:p>
+          <a:p>
+            <a:pPr marL="742950" lvl="1" indent="-285750">
+              <a:buFont typeface="Wingdings" panose="05000000000000000000" charset="0"/>
+              <a:buChar char=""/>
+            </a:pPr>
+            <a:r>
+              <a:rPr lang="zh-CN" altLang="en-US" sz="1600">
+                <a:sym typeface="+mn-ea"/>
+              </a:rPr>
+              <a:t>先验的选择影响不大</a:t>
+            </a:r>
+            <a:endParaRPr lang="zh-CN" altLang="en-US" sz="1600">
               <a:sym typeface="+mn-ea"/>
             </a:endParaRPr>
           </a:p>
@@ -6258,6 +7209,83 @@
 </file>
 
 <file path=ppt/slides/slide24.xml><?xml version="1.0" encoding="utf-8"?>
+<p:sld xmlns:a="http://schemas.openxmlformats.org/drawingml/2006/main" xmlns:r="http://schemas.openxmlformats.org/officeDocument/2006/relationships" xmlns:p="http://schemas.openxmlformats.org/presentationml/2006/main">
+  <p:cSld>
+    <p:spTree>
+      <p:nvGrpSpPr>
+        <p:cNvPr id="1" name=""/>
+        <p:cNvGrpSpPr/>
+        <p:nvPr/>
+      </p:nvGrpSpPr>
+      <p:grpSpPr>
+        <a:xfrm>
+          <a:off x="0" y="0"/>
+          <a:ext cx="0" cy="0"/>
+          <a:chOff x="0" y="0"/>
+          <a:chExt cx="0" cy="0"/>
+        </a:xfrm>
+      </p:grpSpPr>
+      <p:sp>
+        <p:nvSpPr>
+          <p:cNvPr id="3" name="文本框 2"/>
+          <p:cNvSpPr txBox="1"/>
+          <p:nvPr/>
+        </p:nvSpPr>
+        <p:spPr>
+          <a:xfrm>
+            <a:off x="4385310" y="3061335"/>
+            <a:ext cx="2037080" cy="565150"/>
+          </a:xfrm>
+          <a:prstGeom prst="rect">
+            <a:avLst/>
+          </a:prstGeom>
+          <a:noFill/>
+        </p:spPr>
+        <p:txBody>
+          <a:bodyPr wrap="square" rtlCol="0">
+            <a:spAutoFit/>
+          </a:bodyPr>
+          <a:p>
+            <a:pPr marL="0" indent="0" algn="ctr">
+              <a:lnSpc>
+                <a:spcPct val="110000"/>
+              </a:lnSpc>
+              <a:buFont typeface="Wingdings" panose="05000000000000000000" charset="0"/>
+              <a:buNone/>
+            </a:pPr>
+            <a:r>
+              <a:rPr lang="zh-CN" altLang="en-US" sz="2800">
+                <a:sym typeface="+mn-ea"/>
+              </a:rPr>
+              <a:t>总结</a:t>
+            </a:r>
+            <a:endParaRPr lang="zh-CN" altLang="en-US" sz="2800">
+              <a:sym typeface="+mn-ea"/>
+            </a:endParaRPr>
+          </a:p>
+        </p:txBody>
+      </p:sp>
+    </p:spTree>
+  </p:cSld>
+  <p:clrMapOvr>
+    <a:masterClrMapping/>
+  </p:clrMapOvr>
+  <mc:AlternateContent xmlns:mc="http://schemas.openxmlformats.org/markup-compatibility/2006" xmlns:p159="http://schemas.microsoft.com/office/powerpoint/2015/09/main">
+    <mc:Choice Requires="p159">
+      <p:transition xmlns:p14="http://schemas.microsoft.com/office/powerpoint/2010/main" spd="med">
+        <p159:morph option="byObject"/>
+      </p:transition>
+    </mc:Choice>
+    <mc:Fallback>
+      <p:transition spd="med">
+        <p:fade/>
+      </p:transition>
+    </mc:Fallback>
+  </mc:AlternateContent>
+</p:sld>
+</file>
+
+<file path=ppt/slides/slide25.xml><?xml version="1.0" encoding="utf-8"?>
 <p:sld xmlns:a="http://schemas.openxmlformats.org/drawingml/2006/main" xmlns:r="http://schemas.openxmlformats.org/officeDocument/2006/relationships" xmlns:p="http://schemas.openxmlformats.org/presentationml/2006/main">
   <p:cSld>
     <p:spTree>
@@ -6767,7 +7795,7 @@
 </p:sld>
 </file>
 
-<file path=ppt/slides/slide25.xml><?xml version="1.0" encoding="utf-8"?>
+<file path=ppt/slides/slide26.xml><?xml version="1.0" encoding="utf-8"?>
 <p:sld xmlns:a="http://schemas.openxmlformats.org/drawingml/2006/main" xmlns:r="http://schemas.openxmlformats.org/officeDocument/2006/relationships" xmlns:p="http://schemas.openxmlformats.org/presentationml/2006/main">
   <p:cSld>
     <p:spTree>

--- a/pre/ddu_pre.pptx
+++ b/pre/ddu_pre.pptx
@@ -8,7 +8,7 @@
     <p:notesMasterId r:id="rId4"/>
   </p:notesMasterIdLst>
   <p:handoutMasterIdLst>
-    <p:handoutMasterId r:id="rId33"/>
+    <p:handoutMasterId r:id="rId39"/>
   </p:handoutMasterIdLst>
   <p:sldIdLst>
     <p:sldId id="256" r:id="rId3"/>
@@ -39,7 +39,13 @@
     <p:sldId id="1883" r:id="rId29"/>
     <p:sldId id="1884" r:id="rId30"/>
     <p:sldId id="1885" r:id="rId31"/>
-    <p:sldId id="1828" r:id="rId32"/>
+    <p:sldId id="1910" r:id="rId32"/>
+    <p:sldId id="1908" r:id="rId33"/>
+    <p:sldId id="1912" r:id="rId34"/>
+    <p:sldId id="1913" r:id="rId35"/>
+    <p:sldId id="1911" r:id="rId36"/>
+    <p:sldId id="1909" r:id="rId37"/>
+    <p:sldId id="1828" r:id="rId38"/>
   </p:sldIdLst>
   <p:sldSz cx="12192000" cy="6858000"/>
   <p:notesSz cx="6858000" cy="9144000"/>
@@ -8887,75 +8893,63 @@
           <a:chExt cx="0" cy="0"/>
         </a:xfrm>
       </p:grpSpPr>
-      <p:pic>
-        <p:nvPicPr>
-          <p:cNvPr id="1032" name="Picture 8"/>
-          <p:cNvPicPr>
-            <a:picLocks noChangeAspect="1" noChangeArrowheads="1"/>
-          </p:cNvPicPr>
+      <p:sp>
+        <p:nvSpPr>
+          <p:cNvPr id="3" name="文本框 2"/>
+          <p:cNvSpPr txBox="1"/>
           <p:nvPr/>
-        </p:nvPicPr>
-        <p:blipFill>
-          <a:blip r:embed="rId1">
-            <a:extLst>
-              <a:ext uri="{28A0092B-C50C-407E-A947-70E740481C1C}">
-                <a14:useLocalDpi xmlns:a14="http://schemas.microsoft.com/office/drawing/2010/main" val="0"/>
-              </a:ext>
-            </a:extLst>
-          </a:blip>
-          <a:srcRect/>
-          <a:stretch>
-            <a:fillRect/>
-          </a:stretch>
-        </p:blipFill>
-        <p:spPr bwMode="auto">
-          <a:xfrm>
-            <a:off x="4838700" y="2209800"/>
-            <a:ext cx="2514600" cy="1885950"/>
+        </p:nvSpPr>
+        <p:spPr>
+          <a:xfrm>
+            <a:off x="4385310" y="3061335"/>
+            <a:ext cx="2037080" cy="565150"/>
           </a:xfrm>
           <a:prstGeom prst="rect">
             <a:avLst/>
           </a:prstGeom>
           <a:noFill/>
-          <a:extLst>
-            <a:ext uri="{909E8E84-426E-40DD-AFC4-6F175D3DCCD1}">
-              <a14:hiddenFill xmlns:a14="http://schemas.microsoft.com/office/drawing/2010/main">
-                <a:solidFill>
-                  <a:srgbClr val="FFFFFF"/>
-                </a:solidFill>
-              </a14:hiddenFill>
-            </a:ext>
-          </a:extLst>
-        </p:spPr>
-      </p:pic>
-      <p:pic>
-        <p:nvPicPr>
-          <p:cNvPr id="5" name="Picture 4"/>
-          <p:cNvPicPr/>
-          <p:nvPr/>
-        </p:nvPicPr>
-        <p:blipFill>
-          <a:blip r:embed="rId2"/>
-          <a:stretch>
-            <a:fillRect/>
-          </a:stretch>
-        </p:blipFill>
-        <p:spPr>
-          <a:xfrm>
-            <a:off x="10948314" y="5971075"/>
-            <a:ext cx="1217930" cy="942975"/>
-          </a:xfrm>
-          <a:prstGeom prst="rect">
-            <a:avLst/>
-          </a:prstGeom>
-        </p:spPr>
-      </p:pic>
+        </p:spPr>
+        <p:txBody>
+          <a:bodyPr wrap="square" rtlCol="0">
+            <a:spAutoFit/>
+          </a:bodyPr>
+          <a:p>
+            <a:pPr marL="0" indent="0" algn="ctr">
+              <a:lnSpc>
+                <a:spcPct val="110000"/>
+              </a:lnSpc>
+              <a:buFont typeface="Wingdings" panose="05000000000000000000" charset="0"/>
+              <a:buNone/>
+            </a:pPr>
+            <a:r>
+              <a:rPr lang="zh-CN" altLang="en-US" sz="2800">
+                <a:sym typeface="+mn-ea"/>
+              </a:rPr>
+              <a:t>实验内容</a:t>
+            </a:r>
+            <a:endParaRPr lang="zh-CN" altLang="en-US" sz="2800">
+              <a:sym typeface="+mn-ea"/>
+            </a:endParaRPr>
+          </a:p>
+        </p:txBody>
+      </p:sp>
     </p:spTree>
   </p:cSld>
   <p:clrMapOvr>
     <a:masterClrMapping/>
   </p:clrMapOvr>
-  <p:transition/>
+  <mc:AlternateContent xmlns:mc="http://schemas.openxmlformats.org/markup-compatibility/2006" xmlns:p159="http://schemas.microsoft.com/office/powerpoint/2015/09/main">
+    <mc:Choice Requires="p159">
+      <p:transition xmlns:p14="http://schemas.microsoft.com/office/powerpoint/2010/main" spd="med">
+        <p159:morph option="byObject"/>
+      </p:transition>
+    </mc:Choice>
+    <mc:Fallback>
+      <p:transition spd="med">
+        <p:fade/>
+      </p:transition>
+    </mc:Fallback>
+  </mc:AlternateContent>
 </p:sld>
 </file>
 
@@ -9203,6 +9197,2012 @@
       </p:transition>
     </mc:Fallback>
   </mc:AlternateContent>
+</p:sld>
+</file>
+
+<file path=ppt/slides/slide30.xml><?xml version="1.0" encoding="utf-8"?>
+<p:sld xmlns:a="http://schemas.openxmlformats.org/drawingml/2006/main" xmlns:r="http://schemas.openxmlformats.org/officeDocument/2006/relationships" xmlns:p="http://schemas.openxmlformats.org/presentationml/2006/main">
+  <p:cSld>
+    <p:spTree>
+      <p:nvGrpSpPr>
+        <p:cNvPr id="1" name=""/>
+        <p:cNvGrpSpPr/>
+        <p:nvPr/>
+      </p:nvGrpSpPr>
+      <p:grpSpPr>
+        <a:xfrm>
+          <a:off x="0" y="0"/>
+          <a:ext cx="0" cy="0"/>
+          <a:chOff x="0" y="0"/>
+          <a:chExt cx="0" cy="0"/>
+        </a:xfrm>
+      </p:grpSpPr>
+      <p:sp>
+        <p:nvSpPr>
+          <p:cNvPr id="6" name="矩形 5"/>
+          <p:cNvSpPr/>
+          <p:nvPr/>
+        </p:nvSpPr>
+        <p:spPr>
+          <a:xfrm>
+            <a:off x="304543" y="486560"/>
+            <a:ext cx="1612900" cy="521970"/>
+          </a:xfrm>
+          <a:prstGeom prst="rect">
+            <a:avLst/>
+          </a:prstGeom>
+        </p:spPr>
+        <p:txBody>
+          <a:bodyPr wrap="none">
+            <a:spAutoFit/>
+          </a:bodyPr>
+          <a:lstStyle/>
+          <a:p>
+            <a:pPr algn="l" defTabSz="914400">
+              <a:defRPr/>
+            </a:pPr>
+            <a:r>
+              <a:rPr lang="zh-CN" altLang="en-US" sz="2800" b="1" dirty="0">
+                <a:latin typeface="微软雅黑" charset="-122"/>
+                <a:ea typeface="微软雅黑" charset="-122"/>
+                <a:cs typeface="微软雅黑" charset="-122"/>
+                <a:sym typeface="+mn-ea"/>
+              </a:rPr>
+              <a:t>研究内容</a:t>
+            </a:r>
+            <a:endParaRPr lang="zh-CN" altLang="en-US" sz="2800" b="1" dirty="0">
+              <a:solidFill>
+                <a:schemeClr val="tx1"/>
+              </a:solidFill>
+              <a:latin typeface="微软雅黑" charset="-122"/>
+              <a:ea typeface="微软雅黑" charset="-122"/>
+              <a:cs typeface="微软雅黑" charset="-122"/>
+              <a:sym typeface="+mn-ea"/>
+            </a:endParaRPr>
+          </a:p>
+        </p:txBody>
+      </p:sp>
+      <p:sp>
+        <p:nvSpPr>
+          <p:cNvPr id="5" name="文本框 4"/>
+          <p:cNvSpPr txBox="1"/>
+          <p:nvPr/>
+        </p:nvSpPr>
+        <p:spPr>
+          <a:xfrm>
+            <a:off x="700405" y="1270635"/>
+            <a:ext cx="10592435" cy="645160"/>
+          </a:xfrm>
+          <a:prstGeom prst="rect">
+            <a:avLst/>
+          </a:prstGeom>
+          <a:noFill/>
+        </p:spPr>
+        <p:txBody>
+          <a:bodyPr wrap="square" rtlCol="0">
+            <a:spAutoFit/>
+          </a:bodyPr>
+          <a:p>
+            <a:pPr marL="285750" indent="-285750">
+              <a:buFont typeface="Wingdings" panose="05000000000000000000" charset="0"/>
+              <a:buChar char=""/>
+            </a:pPr>
+            <a:r>
+              <a:rPr lang="zh-CN"/>
+              <a:t>基于高维特征概率密度建模的不确定性估计</a:t>
+            </a:r>
+            <a:endParaRPr lang="zh-CN"/>
+          </a:p>
+          <a:p>
+            <a:pPr marL="628650" lvl="2" indent="-285750">
+              <a:buFont typeface="Wingdings" panose="05000000000000000000" charset="0"/>
+              <a:buChar char=""/>
+            </a:pPr>
+            <a:endParaRPr lang="en-US"/>
+          </a:p>
+        </p:txBody>
+      </p:sp>
+      <p:pic>
+        <p:nvPicPr>
+          <p:cNvPr id="18" name="图片 17"/>
+          <p:cNvPicPr>
+            <a:picLocks noChangeAspect="1"/>
+          </p:cNvPicPr>
+          <p:nvPr/>
+        </p:nvPicPr>
+        <p:blipFill>
+          <a:blip r:embed="rId1"/>
+          <a:stretch>
+            <a:fillRect/>
+          </a:stretch>
+        </p:blipFill>
+        <p:spPr>
+          <a:xfrm>
+            <a:off x="1295400" y="4678680"/>
+            <a:ext cx="5524500" cy="676275"/>
+          </a:xfrm>
+          <a:prstGeom prst="rect">
+            <a:avLst/>
+          </a:prstGeom>
+        </p:spPr>
+      </p:pic>
+      <p:grpSp>
+        <p:nvGrpSpPr>
+          <p:cNvPr id="22" name="组合 21"/>
+          <p:cNvGrpSpPr/>
+          <p:nvPr/>
+        </p:nvGrpSpPr>
+        <p:grpSpPr>
+          <a:xfrm>
+            <a:off x="1113155" y="1993900"/>
+            <a:ext cx="9837420" cy="1733550"/>
+            <a:chOff x="1753" y="3140"/>
+            <a:chExt cx="15492" cy="2730"/>
+          </a:xfrm>
+        </p:grpSpPr>
+        <p:grpSp>
+          <p:nvGrpSpPr>
+            <p:cNvPr id="15" name="组合 14"/>
+            <p:cNvGrpSpPr/>
+            <p:nvPr/>
+          </p:nvGrpSpPr>
+          <p:grpSpPr>
+            <a:xfrm>
+              <a:off x="6161" y="3140"/>
+              <a:ext cx="11084" cy="2160"/>
+              <a:chOff x="5699" y="5440"/>
+              <a:chExt cx="10965" cy="2087"/>
+            </a:xfrm>
+          </p:grpSpPr>
+          <p:grpSp>
+            <p:nvGrpSpPr>
+              <p:cNvPr id="25" name="组合 24"/>
+              <p:cNvGrpSpPr/>
+              <p:nvPr/>
+            </p:nvGrpSpPr>
+            <p:grpSpPr>
+              <a:xfrm>
+                <a:off x="5699" y="6029"/>
+                <a:ext cx="7479" cy="1263"/>
+                <a:chOff x="5637" y="5951"/>
+                <a:chExt cx="7479" cy="1263"/>
+              </a:xfrm>
+            </p:grpSpPr>
+            <p:sp>
+              <p:nvSpPr>
+                <p:cNvPr id="3" name="矩形 2"/>
+                <p:cNvSpPr/>
+                <p:nvPr/>
+              </p:nvSpPr>
+              <p:spPr>
+                <a:xfrm>
+                  <a:off x="5637" y="5951"/>
+                  <a:ext cx="3027" cy="1263"/>
+                </a:xfrm>
+                <a:prstGeom prst="rect">
+                  <a:avLst/>
+                </a:prstGeom>
+                <a:solidFill>
+                  <a:schemeClr val="accent1">
+                    <a:lumMod val="60000"/>
+                    <a:lumOff val="40000"/>
+                  </a:schemeClr>
+                </a:solidFill>
+              </p:spPr>
+              <p:txBody>
+                <a:bodyPr wrap="square">
+                  <a:spAutoFit/>
+                </a:bodyPr>
+                <a:p>
+                  <a:pPr algn="ctr"/>
+                  <a:r>
+                    <a:rPr lang="en-US" altLang="zh-CN" sz="2400" dirty="0"/>
+                    <a:t>feature extractor</a:t>
+                  </a:r>
+                  <a:endParaRPr lang="en-US" altLang="zh-CN" sz="2400" dirty="0"/>
+                </a:p>
+              </p:txBody>
+            </p:sp>
+            <p:sp>
+              <p:nvSpPr>
+                <p:cNvPr id="4" name="圆角矩形 3"/>
+                <p:cNvSpPr/>
+                <p:nvPr/>
+              </p:nvSpPr>
+              <p:spPr>
+                <a:xfrm>
+                  <a:off x="10805" y="6109"/>
+                  <a:ext cx="2311" cy="779"/>
+                </a:xfrm>
+                <a:prstGeom prst="roundRect">
+                  <a:avLst/>
+                </a:prstGeom>
+                <a:solidFill>
+                  <a:schemeClr val="accent2"/>
+                </a:solidFill>
+              </p:spPr>
+              <p:txBody>
+                <a:bodyPr wrap="square">
+                  <a:spAutoFit/>
+                </a:bodyPr>
+                <a:p>
+                  <a:r>
+                    <a:rPr lang="en-US" altLang="zh-CN" sz="2400" dirty="0"/>
+                    <a:t>prediction</a:t>
+                  </a:r>
+                  <a:endParaRPr lang="en-US" altLang="zh-CN" sz="2400" dirty="0"/>
+                </a:p>
+              </p:txBody>
+            </p:sp>
+            <p:cxnSp>
+              <p:nvCxnSpPr>
+                <p:cNvPr id="8" name="直接连接符 7"/>
+                <p:cNvCxnSpPr/>
+                <p:nvPr/>
+              </p:nvCxnSpPr>
+              <p:spPr>
+                <a:xfrm flipH="1" flipV="1">
+                  <a:off x="8769" y="6495"/>
+                  <a:ext cx="2041" cy="7"/>
+                </a:xfrm>
+                <a:prstGeom prst="line">
+                  <a:avLst/>
+                </a:prstGeom>
+                <a:ln w="25400">
+                  <a:solidFill>
+                    <a:schemeClr val="tx1"/>
+                  </a:solidFill>
+                  <a:headEnd type="stealth" w="lg" len="med"/>
+                  <a:tailEnd type="none" w="lg" len="med"/>
+                </a:ln>
+              </p:spPr>
+              <p:style>
+                <a:lnRef idx="1">
+                  <a:schemeClr val="accent2"/>
+                </a:lnRef>
+                <a:fillRef idx="0">
+                  <a:schemeClr val="accent2"/>
+                </a:fillRef>
+                <a:effectRef idx="0">
+                  <a:schemeClr val="accent2"/>
+                </a:effectRef>
+                <a:fontRef idx="minor">
+                  <a:schemeClr val="tx1"/>
+                </a:fontRef>
+              </p:style>
+            </p:cxnSp>
+          </p:grpSp>
+          <p:cxnSp>
+            <p:nvCxnSpPr>
+              <p:cNvPr id="7" name="直接连接符 6"/>
+              <p:cNvCxnSpPr>
+                <a:stCxn id="12" idx="1"/>
+              </p:cNvCxnSpPr>
+              <p:nvPr/>
+            </p:nvCxnSpPr>
+            <p:spPr>
+              <a:xfrm flipH="1">
+                <a:off x="13303" y="5720"/>
+                <a:ext cx="1452" cy="986"/>
+              </a:xfrm>
+              <a:prstGeom prst="line">
+                <a:avLst/>
+              </a:prstGeom>
+              <a:ln w="25400">
+                <a:solidFill>
+                  <a:srgbClr val="00B0F0"/>
+                </a:solidFill>
+                <a:headEnd type="stealth" w="lg" len="med"/>
+                <a:tailEnd type="none" w="lg" len="med"/>
+              </a:ln>
+            </p:spPr>
+            <p:style>
+              <a:lnRef idx="1">
+                <a:schemeClr val="accent2"/>
+              </a:lnRef>
+              <a:fillRef idx="0">
+                <a:schemeClr val="accent2"/>
+              </a:fillRef>
+              <a:effectRef idx="0">
+                <a:schemeClr val="accent2"/>
+              </a:effectRef>
+              <a:fontRef idx="minor">
+                <a:schemeClr val="tx1"/>
+              </a:fontRef>
+            </p:style>
+          </p:cxnSp>
+          <p:sp>
+            <p:nvSpPr>
+              <p:cNvPr id="12" name="文本框 11"/>
+              <p:cNvSpPr txBox="1"/>
+              <p:nvPr/>
+            </p:nvSpPr>
+            <p:spPr>
+              <a:xfrm>
+                <a:off x="14756" y="5440"/>
+                <a:ext cx="1908" cy="561"/>
+              </a:xfrm>
+              <a:prstGeom prst="rect">
+                <a:avLst/>
+              </a:prstGeom>
+              <a:noFill/>
+            </p:spPr>
+            <p:txBody>
+              <a:bodyPr wrap="square" rtlCol="0">
+                <a:spAutoFit/>
+              </a:bodyPr>
+              <a:p>
+                <a:r>
+                  <a:rPr lang="en-US" altLang="zh-CN"/>
+                  <a:t>uncertainty</a:t>
+                </a:r>
+                <a:endParaRPr lang="en-US" altLang="zh-CN"/>
+              </a:p>
+            </p:txBody>
+          </p:sp>
+          <p:cxnSp>
+            <p:nvCxnSpPr>
+              <p:cNvPr id="14" name="直接连接符 13"/>
+              <p:cNvCxnSpPr/>
+              <p:nvPr/>
+            </p:nvCxnSpPr>
+            <p:spPr>
+              <a:xfrm flipH="1" flipV="1">
+                <a:off x="13207" y="6706"/>
+                <a:ext cx="1661" cy="585"/>
+              </a:xfrm>
+              <a:prstGeom prst="line">
+                <a:avLst/>
+              </a:prstGeom>
+              <a:ln w="25400">
+                <a:solidFill>
+                  <a:srgbClr val="FF0000"/>
+                </a:solidFill>
+                <a:headEnd type="stealth" w="lg" len="med"/>
+                <a:tailEnd type="none" w="lg" len="med"/>
+              </a:ln>
+            </p:spPr>
+            <p:style>
+              <a:lnRef idx="1">
+                <a:schemeClr val="accent2"/>
+              </a:lnRef>
+              <a:fillRef idx="0">
+                <a:schemeClr val="accent2"/>
+              </a:fillRef>
+              <a:effectRef idx="0">
+                <a:schemeClr val="accent2"/>
+              </a:effectRef>
+              <a:fontRef idx="minor">
+                <a:schemeClr val="tx1"/>
+              </a:fontRef>
+            </p:style>
+          </p:cxnSp>
+          <p:sp>
+            <p:nvSpPr>
+              <p:cNvPr id="16" name="文本框 15"/>
+              <p:cNvSpPr txBox="1"/>
+              <p:nvPr/>
+            </p:nvSpPr>
+            <p:spPr>
+              <a:xfrm>
+                <a:off x="14898" y="6966"/>
+                <a:ext cx="1088" cy="561"/>
+              </a:xfrm>
+              <a:prstGeom prst="rect">
+                <a:avLst/>
+              </a:prstGeom>
+              <a:noFill/>
+            </p:spPr>
+            <p:txBody>
+              <a:bodyPr wrap="square" rtlCol="0">
+                <a:spAutoFit/>
+              </a:bodyPr>
+              <a:p>
+                <a:r>
+                  <a:rPr lang="en-US" altLang="zh-CN"/>
+                  <a:t>probs</a:t>
+                </a:r>
+                <a:endParaRPr lang="en-US" altLang="zh-CN"/>
+              </a:p>
+            </p:txBody>
+          </p:sp>
+        </p:grpSp>
+        <p:pic>
+          <p:nvPicPr>
+            <p:cNvPr id="19" name="图片 18"/>
+            <p:cNvPicPr>
+              <a:picLocks noChangeAspect="1"/>
+            </p:cNvPicPr>
+            <p:nvPr/>
+          </p:nvPicPr>
+          <p:blipFill>
+            <a:blip r:embed="rId2"/>
+            <a:stretch>
+              <a:fillRect/>
+            </a:stretch>
+          </p:blipFill>
+          <p:spPr>
+            <a:xfrm>
+              <a:off x="1753" y="3378"/>
+              <a:ext cx="2129" cy="2492"/>
+            </a:xfrm>
+            <a:prstGeom prst="rect">
+              <a:avLst/>
+            </a:prstGeom>
+          </p:spPr>
+        </p:pic>
+        <p:cxnSp>
+          <p:nvCxnSpPr>
+            <p:cNvPr id="20" name="直接连接符 19"/>
+            <p:cNvCxnSpPr/>
+            <p:nvPr/>
+          </p:nvCxnSpPr>
+          <p:spPr>
+            <a:xfrm flipH="1">
+              <a:off x="4099" y="4380"/>
+              <a:ext cx="2062" cy="0"/>
+            </a:xfrm>
+            <a:prstGeom prst="line">
+              <a:avLst/>
+            </a:prstGeom>
+            <a:ln w="25400">
+              <a:solidFill>
+                <a:schemeClr val="tx1"/>
+              </a:solidFill>
+              <a:headEnd type="stealth" w="lg" len="med"/>
+              <a:tailEnd type="none" w="lg" len="med"/>
+            </a:ln>
+          </p:spPr>
+          <p:style>
+            <a:lnRef idx="1">
+              <a:schemeClr val="accent2"/>
+            </a:lnRef>
+            <a:fillRef idx="0">
+              <a:schemeClr val="accent2"/>
+            </a:fillRef>
+            <a:effectRef idx="0">
+              <a:schemeClr val="accent2"/>
+            </a:effectRef>
+            <a:fontRef idx="minor">
+              <a:schemeClr val="tx1"/>
+            </a:fontRef>
+          </p:style>
+        </p:cxnSp>
+      </p:grpSp>
+      <p:sp>
+        <p:nvSpPr>
+          <p:cNvPr id="26" name="文本框 25"/>
+          <p:cNvSpPr txBox="1"/>
+          <p:nvPr/>
+        </p:nvSpPr>
+        <p:spPr>
+          <a:xfrm>
+            <a:off x="700405" y="4154170"/>
+            <a:ext cx="7485380" cy="368300"/>
+          </a:xfrm>
+          <a:prstGeom prst="rect">
+            <a:avLst/>
+          </a:prstGeom>
+          <a:noFill/>
+        </p:spPr>
+        <p:txBody>
+          <a:bodyPr wrap="none" rtlCol="0">
+            <a:spAutoFit/>
+          </a:bodyPr>
+          <a:p>
+            <a:r>
+              <a:rPr lang="zh-CN" altLang="en-US"/>
+              <a:t>对每一个类别建模一个多元高斯分布，然后使用</a:t>
+            </a:r>
+            <a:r>
+              <a:rPr lang="en-US" altLang="zh-CN"/>
+              <a:t>logp(x)</a:t>
+            </a:r>
+            <a:r>
+              <a:rPr lang="zh-CN" altLang="en-US"/>
+              <a:t>度量模型不确定性</a:t>
+            </a:r>
+            <a:endParaRPr lang="zh-CN" altLang="en-US"/>
+          </a:p>
+        </p:txBody>
+      </p:sp>
+      <p:pic>
+        <p:nvPicPr>
+          <p:cNvPr id="27" name="图片 26"/>
+          <p:cNvPicPr>
+            <a:picLocks noChangeAspect="1"/>
+          </p:cNvPicPr>
+          <p:nvPr/>
+        </p:nvPicPr>
+        <p:blipFill>
+          <a:blip r:embed="rId3"/>
+          <a:stretch>
+            <a:fillRect/>
+          </a:stretch>
+        </p:blipFill>
+        <p:spPr>
+          <a:xfrm>
+            <a:off x="1419860" y="5511165"/>
+            <a:ext cx="2748280" cy="657225"/>
+          </a:xfrm>
+          <a:prstGeom prst="rect">
+            <a:avLst/>
+          </a:prstGeom>
+        </p:spPr>
+      </p:pic>
+    </p:spTree>
+  </p:cSld>
+  <p:clrMapOvr>
+    <a:masterClrMapping/>
+  </p:clrMapOvr>
+  <mc:AlternateContent xmlns:mc="http://schemas.openxmlformats.org/markup-compatibility/2006" xmlns:p159="http://schemas.microsoft.com/office/powerpoint/2015/09/main">
+    <mc:Choice Requires="p159">
+      <p:transition xmlns:p14="http://schemas.microsoft.com/office/powerpoint/2010/main" spd="med">
+        <p159:morph option="byObject"/>
+      </p:transition>
+    </mc:Choice>
+    <mc:Fallback>
+      <p:transition spd="med">
+        <p:fade/>
+      </p:transition>
+    </mc:Fallback>
+  </mc:AlternateContent>
+</p:sld>
+</file>
+
+<file path=ppt/slides/slide31.xml><?xml version="1.0" encoding="utf-8"?>
+<p:sld xmlns:a="http://schemas.openxmlformats.org/drawingml/2006/main" xmlns:r="http://schemas.openxmlformats.org/officeDocument/2006/relationships" xmlns:p="http://schemas.openxmlformats.org/presentationml/2006/main">
+  <p:cSld>
+    <p:spTree>
+      <p:nvGrpSpPr>
+        <p:cNvPr id="1" name=""/>
+        <p:cNvGrpSpPr/>
+        <p:nvPr/>
+      </p:nvGrpSpPr>
+      <p:grpSpPr>
+        <a:xfrm>
+          <a:off x="0" y="0"/>
+          <a:ext cx="0" cy="0"/>
+          <a:chOff x="0" y="0"/>
+          <a:chExt cx="0" cy="0"/>
+        </a:xfrm>
+      </p:grpSpPr>
+      <p:sp>
+        <p:nvSpPr>
+          <p:cNvPr id="6" name="矩形 5"/>
+          <p:cNvSpPr/>
+          <p:nvPr/>
+        </p:nvSpPr>
+        <p:spPr>
+          <a:xfrm>
+            <a:off x="304543" y="486560"/>
+            <a:ext cx="1612900" cy="521970"/>
+          </a:xfrm>
+          <a:prstGeom prst="rect">
+            <a:avLst/>
+          </a:prstGeom>
+        </p:spPr>
+        <p:txBody>
+          <a:bodyPr wrap="none">
+            <a:spAutoFit/>
+          </a:bodyPr>
+          <a:lstStyle/>
+          <a:p>
+            <a:pPr algn="l" defTabSz="914400">
+              <a:defRPr/>
+            </a:pPr>
+            <a:r>
+              <a:rPr lang="zh-CN" altLang="en-US" sz="2800" b="1" dirty="0">
+                <a:latin typeface="微软雅黑" charset="-122"/>
+                <a:ea typeface="微软雅黑" charset="-122"/>
+                <a:cs typeface="微软雅黑" charset="-122"/>
+                <a:sym typeface="+mn-ea"/>
+              </a:rPr>
+              <a:t>研究内容</a:t>
+            </a:r>
+            <a:endParaRPr lang="zh-CN" altLang="en-US" sz="2800" b="1" dirty="0">
+              <a:solidFill>
+                <a:schemeClr val="tx1"/>
+              </a:solidFill>
+              <a:latin typeface="微软雅黑" charset="-122"/>
+              <a:ea typeface="微软雅黑" charset="-122"/>
+              <a:cs typeface="微软雅黑" charset="-122"/>
+              <a:sym typeface="+mn-ea"/>
+            </a:endParaRPr>
+          </a:p>
+        </p:txBody>
+      </p:sp>
+      <p:sp>
+        <p:nvSpPr>
+          <p:cNvPr id="5" name="文本框 4"/>
+          <p:cNvSpPr txBox="1"/>
+          <p:nvPr/>
+        </p:nvSpPr>
+        <p:spPr>
+          <a:xfrm>
+            <a:off x="700405" y="1270635"/>
+            <a:ext cx="10592435" cy="645160"/>
+          </a:xfrm>
+          <a:prstGeom prst="rect">
+            <a:avLst/>
+          </a:prstGeom>
+          <a:noFill/>
+        </p:spPr>
+        <p:txBody>
+          <a:bodyPr wrap="square" rtlCol="0">
+            <a:spAutoFit/>
+          </a:bodyPr>
+          <a:p>
+            <a:pPr marL="285750" indent="-285750">
+              <a:buFont typeface="Wingdings" panose="05000000000000000000" charset="0"/>
+              <a:buChar char=""/>
+            </a:pPr>
+            <a:r>
+              <a:rPr lang="zh-CN">
+                <a:sym typeface="+mn-ea"/>
+              </a:rPr>
+              <a:t>基于高维特征概率密度建模的不确定性估计</a:t>
+            </a:r>
+            <a:endParaRPr lang="zh-CN"/>
+          </a:p>
+          <a:p>
+            <a:pPr marL="285750" indent="-285750">
+              <a:buFont typeface="Wingdings" panose="05000000000000000000" charset="0"/>
+              <a:buChar char=""/>
+            </a:pPr>
+            <a:endParaRPr lang="en-US"/>
+          </a:p>
+        </p:txBody>
+      </p:sp>
+      <p:grpSp>
+        <p:nvGrpSpPr>
+          <p:cNvPr id="22" name="组合 21"/>
+          <p:cNvGrpSpPr/>
+          <p:nvPr/>
+        </p:nvGrpSpPr>
+        <p:grpSpPr>
+          <a:xfrm>
+            <a:off x="988060" y="1764665"/>
+            <a:ext cx="9837420" cy="1733550"/>
+            <a:chOff x="1753" y="3140"/>
+            <a:chExt cx="15492" cy="2730"/>
+          </a:xfrm>
+        </p:grpSpPr>
+        <p:grpSp>
+          <p:nvGrpSpPr>
+            <p:cNvPr id="15" name="组合 14"/>
+            <p:cNvGrpSpPr/>
+            <p:nvPr/>
+          </p:nvGrpSpPr>
+          <p:grpSpPr>
+            <a:xfrm>
+              <a:off x="6161" y="3140"/>
+              <a:ext cx="11084" cy="2160"/>
+              <a:chOff x="5699" y="5440"/>
+              <a:chExt cx="10965" cy="2087"/>
+            </a:xfrm>
+          </p:grpSpPr>
+          <p:grpSp>
+            <p:nvGrpSpPr>
+              <p:cNvPr id="25" name="组合 24"/>
+              <p:cNvGrpSpPr/>
+              <p:nvPr/>
+            </p:nvGrpSpPr>
+            <p:grpSpPr>
+              <a:xfrm>
+                <a:off x="5699" y="6029"/>
+                <a:ext cx="7479" cy="1263"/>
+                <a:chOff x="5637" y="5951"/>
+                <a:chExt cx="7479" cy="1263"/>
+              </a:xfrm>
+            </p:grpSpPr>
+            <p:sp>
+              <p:nvSpPr>
+                <p:cNvPr id="3" name="矩形 2"/>
+                <p:cNvSpPr/>
+                <p:nvPr/>
+              </p:nvSpPr>
+              <p:spPr>
+                <a:xfrm>
+                  <a:off x="5637" y="5951"/>
+                  <a:ext cx="3027" cy="1263"/>
+                </a:xfrm>
+                <a:prstGeom prst="rect">
+                  <a:avLst/>
+                </a:prstGeom>
+                <a:solidFill>
+                  <a:schemeClr val="accent1">
+                    <a:lumMod val="60000"/>
+                    <a:lumOff val="40000"/>
+                  </a:schemeClr>
+                </a:solidFill>
+              </p:spPr>
+              <p:txBody>
+                <a:bodyPr wrap="square">
+                  <a:spAutoFit/>
+                </a:bodyPr>
+                <a:p>
+                  <a:pPr algn="ctr"/>
+                  <a:r>
+                    <a:rPr lang="en-US" altLang="zh-CN" sz="2400" dirty="0"/>
+                    <a:t>feature extractor</a:t>
+                  </a:r>
+                  <a:endParaRPr lang="en-US" altLang="zh-CN" sz="2400" dirty="0"/>
+                </a:p>
+              </p:txBody>
+            </p:sp>
+            <p:sp>
+              <p:nvSpPr>
+                <p:cNvPr id="4" name="圆角矩形 3"/>
+                <p:cNvSpPr/>
+                <p:nvPr/>
+              </p:nvSpPr>
+              <p:spPr>
+                <a:xfrm>
+                  <a:off x="10805" y="6109"/>
+                  <a:ext cx="2311" cy="779"/>
+                </a:xfrm>
+                <a:prstGeom prst="roundRect">
+                  <a:avLst/>
+                </a:prstGeom>
+                <a:solidFill>
+                  <a:schemeClr val="accent2"/>
+                </a:solidFill>
+              </p:spPr>
+              <p:txBody>
+                <a:bodyPr wrap="square">
+                  <a:spAutoFit/>
+                </a:bodyPr>
+                <a:p>
+                  <a:r>
+                    <a:rPr lang="en-US" altLang="zh-CN" sz="2400" dirty="0"/>
+                    <a:t>prediction</a:t>
+                  </a:r>
+                  <a:endParaRPr lang="en-US" altLang="zh-CN" sz="2400" dirty="0"/>
+                </a:p>
+              </p:txBody>
+            </p:sp>
+            <p:cxnSp>
+              <p:nvCxnSpPr>
+                <p:cNvPr id="8" name="直接连接符 7"/>
+                <p:cNvCxnSpPr/>
+                <p:nvPr/>
+              </p:nvCxnSpPr>
+              <p:spPr>
+                <a:xfrm flipH="1" flipV="1">
+                  <a:off x="8769" y="6495"/>
+                  <a:ext cx="2041" cy="7"/>
+                </a:xfrm>
+                <a:prstGeom prst="line">
+                  <a:avLst/>
+                </a:prstGeom>
+                <a:ln w="25400">
+                  <a:solidFill>
+                    <a:schemeClr val="tx1"/>
+                  </a:solidFill>
+                  <a:headEnd type="stealth" w="lg" len="med"/>
+                  <a:tailEnd type="none" w="lg" len="med"/>
+                </a:ln>
+              </p:spPr>
+              <p:style>
+                <a:lnRef idx="1">
+                  <a:schemeClr val="accent2"/>
+                </a:lnRef>
+                <a:fillRef idx="0">
+                  <a:schemeClr val="accent2"/>
+                </a:fillRef>
+                <a:effectRef idx="0">
+                  <a:schemeClr val="accent2"/>
+                </a:effectRef>
+                <a:fontRef idx="minor">
+                  <a:schemeClr val="tx1"/>
+                </a:fontRef>
+              </p:style>
+            </p:cxnSp>
+          </p:grpSp>
+          <p:cxnSp>
+            <p:nvCxnSpPr>
+              <p:cNvPr id="7" name="直接连接符 6"/>
+              <p:cNvCxnSpPr>
+                <a:stCxn id="12" idx="1"/>
+              </p:cNvCxnSpPr>
+              <p:nvPr/>
+            </p:nvCxnSpPr>
+            <p:spPr>
+              <a:xfrm flipH="1">
+                <a:off x="13303" y="5720"/>
+                <a:ext cx="1452" cy="986"/>
+              </a:xfrm>
+              <a:prstGeom prst="line">
+                <a:avLst/>
+              </a:prstGeom>
+              <a:ln w="25400">
+                <a:solidFill>
+                  <a:srgbClr val="00B0F0"/>
+                </a:solidFill>
+                <a:headEnd type="stealth" w="lg" len="med"/>
+                <a:tailEnd type="none" w="lg" len="med"/>
+              </a:ln>
+            </p:spPr>
+            <p:style>
+              <a:lnRef idx="1">
+                <a:schemeClr val="accent2"/>
+              </a:lnRef>
+              <a:fillRef idx="0">
+                <a:schemeClr val="accent2"/>
+              </a:fillRef>
+              <a:effectRef idx="0">
+                <a:schemeClr val="accent2"/>
+              </a:effectRef>
+              <a:fontRef idx="minor">
+                <a:schemeClr val="tx1"/>
+              </a:fontRef>
+            </p:style>
+          </p:cxnSp>
+          <p:sp>
+            <p:nvSpPr>
+              <p:cNvPr id="12" name="文本框 11"/>
+              <p:cNvSpPr txBox="1"/>
+              <p:nvPr/>
+            </p:nvSpPr>
+            <p:spPr>
+              <a:xfrm>
+                <a:off x="14756" y="5440"/>
+                <a:ext cx="1908" cy="561"/>
+              </a:xfrm>
+              <a:prstGeom prst="rect">
+                <a:avLst/>
+              </a:prstGeom>
+              <a:noFill/>
+            </p:spPr>
+            <p:txBody>
+              <a:bodyPr wrap="square" rtlCol="0">
+                <a:spAutoFit/>
+              </a:bodyPr>
+              <a:p>
+                <a:r>
+                  <a:rPr lang="en-US" altLang="zh-CN"/>
+                  <a:t>uncertainty</a:t>
+                </a:r>
+                <a:endParaRPr lang="en-US" altLang="zh-CN"/>
+              </a:p>
+            </p:txBody>
+          </p:sp>
+          <p:cxnSp>
+            <p:nvCxnSpPr>
+              <p:cNvPr id="14" name="直接连接符 13"/>
+              <p:cNvCxnSpPr/>
+              <p:nvPr/>
+            </p:nvCxnSpPr>
+            <p:spPr>
+              <a:xfrm flipH="1" flipV="1">
+                <a:off x="13207" y="6706"/>
+                <a:ext cx="1661" cy="585"/>
+              </a:xfrm>
+              <a:prstGeom prst="line">
+                <a:avLst/>
+              </a:prstGeom>
+              <a:ln w="25400">
+                <a:solidFill>
+                  <a:srgbClr val="FF0000"/>
+                </a:solidFill>
+                <a:headEnd type="stealth" w="lg" len="med"/>
+                <a:tailEnd type="none" w="lg" len="med"/>
+              </a:ln>
+            </p:spPr>
+            <p:style>
+              <a:lnRef idx="1">
+                <a:schemeClr val="accent2"/>
+              </a:lnRef>
+              <a:fillRef idx="0">
+                <a:schemeClr val="accent2"/>
+              </a:fillRef>
+              <a:effectRef idx="0">
+                <a:schemeClr val="accent2"/>
+              </a:effectRef>
+              <a:fontRef idx="minor">
+                <a:schemeClr val="tx1"/>
+              </a:fontRef>
+            </p:style>
+          </p:cxnSp>
+          <p:sp>
+            <p:nvSpPr>
+              <p:cNvPr id="16" name="文本框 15"/>
+              <p:cNvSpPr txBox="1"/>
+              <p:nvPr/>
+            </p:nvSpPr>
+            <p:spPr>
+              <a:xfrm>
+                <a:off x="14898" y="6966"/>
+                <a:ext cx="1088" cy="561"/>
+              </a:xfrm>
+              <a:prstGeom prst="rect">
+                <a:avLst/>
+              </a:prstGeom>
+              <a:noFill/>
+            </p:spPr>
+            <p:txBody>
+              <a:bodyPr wrap="square" rtlCol="0">
+                <a:spAutoFit/>
+              </a:bodyPr>
+              <a:p>
+                <a:r>
+                  <a:rPr lang="en-US" altLang="zh-CN"/>
+                  <a:t>probs</a:t>
+                </a:r>
+                <a:endParaRPr lang="en-US" altLang="zh-CN"/>
+              </a:p>
+            </p:txBody>
+          </p:sp>
+        </p:grpSp>
+        <p:pic>
+          <p:nvPicPr>
+            <p:cNvPr id="19" name="图片 18"/>
+            <p:cNvPicPr>
+              <a:picLocks noChangeAspect="1"/>
+            </p:cNvPicPr>
+            <p:nvPr/>
+          </p:nvPicPr>
+          <p:blipFill>
+            <a:blip r:embed="rId1"/>
+            <a:stretch>
+              <a:fillRect/>
+            </a:stretch>
+          </p:blipFill>
+          <p:spPr>
+            <a:xfrm>
+              <a:off x="1753" y="3378"/>
+              <a:ext cx="2129" cy="2492"/>
+            </a:xfrm>
+            <a:prstGeom prst="rect">
+              <a:avLst/>
+            </a:prstGeom>
+          </p:spPr>
+        </p:pic>
+        <p:cxnSp>
+          <p:nvCxnSpPr>
+            <p:cNvPr id="20" name="直接连接符 19"/>
+            <p:cNvCxnSpPr/>
+            <p:nvPr/>
+          </p:nvCxnSpPr>
+          <p:spPr>
+            <a:xfrm flipH="1">
+              <a:off x="4099" y="4380"/>
+              <a:ext cx="2062" cy="0"/>
+            </a:xfrm>
+            <a:prstGeom prst="line">
+              <a:avLst/>
+            </a:prstGeom>
+            <a:ln w="25400">
+              <a:solidFill>
+                <a:schemeClr val="tx1"/>
+              </a:solidFill>
+              <a:headEnd type="stealth" w="lg" len="med"/>
+              <a:tailEnd type="none" w="lg" len="med"/>
+            </a:ln>
+          </p:spPr>
+          <p:style>
+            <a:lnRef idx="1">
+              <a:schemeClr val="accent2"/>
+            </a:lnRef>
+            <a:fillRef idx="0">
+              <a:schemeClr val="accent2"/>
+            </a:fillRef>
+            <a:effectRef idx="0">
+              <a:schemeClr val="accent2"/>
+            </a:effectRef>
+            <a:fontRef idx="minor">
+              <a:schemeClr val="tx1"/>
+            </a:fontRef>
+          </p:style>
+        </p:cxnSp>
+      </p:grpSp>
+      <p:sp>
+        <p:nvSpPr>
+          <p:cNvPr id="2" name="文本框 1"/>
+          <p:cNvSpPr txBox="1"/>
+          <p:nvPr/>
+        </p:nvSpPr>
+        <p:spPr>
+          <a:xfrm>
+            <a:off x="519430" y="3950335"/>
+            <a:ext cx="8478520" cy="368300"/>
+          </a:xfrm>
+          <a:prstGeom prst="rect">
+            <a:avLst/>
+          </a:prstGeom>
+          <a:noFill/>
+        </p:spPr>
+        <p:txBody>
+          <a:bodyPr wrap="square" rtlCol="0">
+            <a:spAutoFit/>
+          </a:bodyPr>
+          <a:p>
+            <a:r>
+              <a:rPr lang="en-US" altLang="zh-CN" b="1"/>
+              <a:t>Feature Collapse</a:t>
+            </a:r>
+            <a:r>
+              <a:rPr lang="en-US" altLang="zh-CN"/>
+              <a:t>: </a:t>
+            </a:r>
+            <a:r>
+              <a:rPr lang="en-US" altLang="zh-CN" u="sng"/>
+              <a:t>feature extractor map features of OOD samples to ID regions </a:t>
+            </a:r>
+            <a:endParaRPr lang="en-US" altLang="zh-CN" u="sng"/>
+          </a:p>
+        </p:txBody>
+      </p:sp>
+      <p:sp>
+        <p:nvSpPr>
+          <p:cNvPr id="9" name="文本框 8"/>
+          <p:cNvSpPr txBox="1"/>
+          <p:nvPr/>
+        </p:nvSpPr>
+        <p:spPr>
+          <a:xfrm>
+            <a:off x="519430" y="4549775"/>
+            <a:ext cx="2767965" cy="368300"/>
+          </a:xfrm>
+          <a:prstGeom prst="rect">
+            <a:avLst/>
+          </a:prstGeom>
+          <a:noFill/>
+        </p:spPr>
+        <p:txBody>
+          <a:bodyPr wrap="square" rtlCol="0">
+            <a:spAutoFit/>
+          </a:bodyPr>
+          <a:p>
+            <a:r>
+              <a:rPr lang="en-US" altLang="zh-CN" b="1"/>
+              <a:t>Smoothness &amp; Sensitivity</a:t>
+            </a:r>
+            <a:endParaRPr lang="en-US" altLang="zh-CN" b="1"/>
+          </a:p>
+        </p:txBody>
+      </p:sp>
+      <p:pic>
+        <p:nvPicPr>
+          <p:cNvPr id="10" name="图片 9"/>
+          <p:cNvPicPr>
+            <a:picLocks noChangeAspect="1"/>
+          </p:cNvPicPr>
+          <p:nvPr/>
+        </p:nvPicPr>
+        <p:blipFill>
+          <a:blip r:embed="rId2"/>
+          <a:stretch>
+            <a:fillRect/>
+          </a:stretch>
+        </p:blipFill>
+        <p:spPr>
+          <a:xfrm>
+            <a:off x="3119120" y="4363720"/>
+            <a:ext cx="5878830" cy="740410"/>
+          </a:xfrm>
+          <a:prstGeom prst="rect">
+            <a:avLst/>
+          </a:prstGeom>
+        </p:spPr>
+      </p:pic>
+      <p:pic>
+        <p:nvPicPr>
+          <p:cNvPr id="11" name="图片 10"/>
+          <p:cNvPicPr>
+            <a:picLocks noChangeAspect="1"/>
+          </p:cNvPicPr>
+          <p:nvPr/>
+        </p:nvPicPr>
+        <p:blipFill>
+          <a:blip r:embed="rId3"/>
+          <a:stretch>
+            <a:fillRect/>
+          </a:stretch>
+        </p:blipFill>
+        <p:spPr>
+          <a:xfrm>
+            <a:off x="8785860" y="3662045"/>
+            <a:ext cx="3427095" cy="2513965"/>
+          </a:xfrm>
+          <a:prstGeom prst="rect">
+            <a:avLst/>
+          </a:prstGeom>
+        </p:spPr>
+      </p:pic>
+    </p:spTree>
+  </p:cSld>
+  <p:clrMapOvr>
+    <a:masterClrMapping/>
+  </p:clrMapOvr>
+  <mc:AlternateContent xmlns:mc="http://schemas.openxmlformats.org/markup-compatibility/2006" xmlns:p159="http://schemas.microsoft.com/office/powerpoint/2015/09/main">
+    <mc:Choice Requires="p159">
+      <p:transition xmlns:p14="http://schemas.microsoft.com/office/powerpoint/2010/main" spd="med">
+        <p159:morph option="byObject"/>
+      </p:transition>
+    </mc:Choice>
+    <mc:Fallback>
+      <p:transition spd="med">
+        <p:fade/>
+      </p:transition>
+    </mc:Fallback>
+  </mc:AlternateContent>
+</p:sld>
+</file>
+
+<file path=ppt/slides/slide32.xml><?xml version="1.0" encoding="utf-8"?>
+<p:sld xmlns:a="http://schemas.openxmlformats.org/drawingml/2006/main" xmlns:r="http://schemas.openxmlformats.org/officeDocument/2006/relationships" xmlns:p="http://schemas.openxmlformats.org/presentationml/2006/main">
+  <p:cSld>
+    <p:spTree>
+      <p:nvGrpSpPr>
+        <p:cNvPr id="1" name=""/>
+        <p:cNvGrpSpPr/>
+        <p:nvPr/>
+      </p:nvGrpSpPr>
+      <p:grpSpPr>
+        <a:xfrm>
+          <a:off x="0" y="0"/>
+          <a:ext cx="0" cy="0"/>
+          <a:chOff x="0" y="0"/>
+          <a:chExt cx="0" cy="0"/>
+        </a:xfrm>
+      </p:grpSpPr>
+      <p:sp>
+        <p:nvSpPr>
+          <p:cNvPr id="6" name="矩形 5"/>
+          <p:cNvSpPr/>
+          <p:nvPr/>
+        </p:nvSpPr>
+        <p:spPr>
+          <a:xfrm>
+            <a:off x="304543" y="486560"/>
+            <a:ext cx="1612900" cy="521970"/>
+          </a:xfrm>
+          <a:prstGeom prst="rect">
+            <a:avLst/>
+          </a:prstGeom>
+        </p:spPr>
+        <p:txBody>
+          <a:bodyPr wrap="none">
+            <a:spAutoFit/>
+          </a:bodyPr>
+          <a:lstStyle/>
+          <a:p>
+            <a:pPr algn="l" defTabSz="914400">
+              <a:defRPr/>
+            </a:pPr>
+            <a:r>
+              <a:rPr lang="zh-CN" altLang="en-US" sz="2800" b="1" dirty="0">
+                <a:latin typeface="微软雅黑" charset="-122"/>
+                <a:ea typeface="微软雅黑" charset="-122"/>
+                <a:cs typeface="微软雅黑" charset="-122"/>
+                <a:sym typeface="+mn-ea"/>
+              </a:rPr>
+              <a:t>研究内容</a:t>
+            </a:r>
+            <a:endParaRPr lang="zh-CN" altLang="en-US" sz="2800" b="1" dirty="0">
+              <a:solidFill>
+                <a:schemeClr val="tx1"/>
+              </a:solidFill>
+              <a:latin typeface="微软雅黑" charset="-122"/>
+              <a:ea typeface="微软雅黑" charset="-122"/>
+              <a:cs typeface="微软雅黑" charset="-122"/>
+              <a:sym typeface="+mn-ea"/>
+            </a:endParaRPr>
+          </a:p>
+        </p:txBody>
+      </p:sp>
+      <p:sp>
+        <p:nvSpPr>
+          <p:cNvPr id="5" name="文本框 4"/>
+          <p:cNvSpPr txBox="1"/>
+          <p:nvPr/>
+        </p:nvSpPr>
+        <p:spPr>
+          <a:xfrm>
+            <a:off x="700405" y="1270635"/>
+            <a:ext cx="10592435" cy="645160"/>
+          </a:xfrm>
+          <a:prstGeom prst="rect">
+            <a:avLst/>
+          </a:prstGeom>
+          <a:noFill/>
+        </p:spPr>
+        <p:txBody>
+          <a:bodyPr wrap="square" rtlCol="0">
+            <a:spAutoFit/>
+          </a:bodyPr>
+          <a:p>
+            <a:pPr marL="285750" indent="-285750">
+              <a:buFont typeface="Wingdings" panose="05000000000000000000" charset="0"/>
+              <a:buChar char=""/>
+            </a:pPr>
+            <a:r>
+              <a:rPr lang="zh-CN">
+                <a:sym typeface="+mn-ea"/>
+              </a:rPr>
+              <a:t>基于高维特征概率密度建模的不确定性估计</a:t>
+            </a:r>
+            <a:endParaRPr lang="zh-CN"/>
+          </a:p>
+          <a:p>
+            <a:pPr marL="285750" indent="-285750">
+              <a:buFont typeface="Wingdings" panose="05000000000000000000" charset="0"/>
+              <a:buChar char=""/>
+            </a:pPr>
+            <a:endParaRPr lang="en-US"/>
+          </a:p>
+        </p:txBody>
+      </p:sp>
+      <p:grpSp>
+        <p:nvGrpSpPr>
+          <p:cNvPr id="22" name="组合 21"/>
+          <p:cNvGrpSpPr/>
+          <p:nvPr/>
+        </p:nvGrpSpPr>
+        <p:grpSpPr>
+          <a:xfrm>
+            <a:off x="988060" y="1764665"/>
+            <a:ext cx="9837420" cy="1733550"/>
+            <a:chOff x="1753" y="3140"/>
+            <a:chExt cx="15492" cy="2730"/>
+          </a:xfrm>
+        </p:grpSpPr>
+        <p:grpSp>
+          <p:nvGrpSpPr>
+            <p:cNvPr id="15" name="组合 14"/>
+            <p:cNvGrpSpPr/>
+            <p:nvPr/>
+          </p:nvGrpSpPr>
+          <p:grpSpPr>
+            <a:xfrm>
+              <a:off x="6161" y="3140"/>
+              <a:ext cx="11084" cy="2160"/>
+              <a:chOff x="5699" y="5440"/>
+              <a:chExt cx="10965" cy="2087"/>
+            </a:xfrm>
+          </p:grpSpPr>
+          <p:grpSp>
+            <p:nvGrpSpPr>
+              <p:cNvPr id="25" name="组合 24"/>
+              <p:cNvGrpSpPr/>
+              <p:nvPr/>
+            </p:nvGrpSpPr>
+            <p:grpSpPr>
+              <a:xfrm>
+                <a:off x="5699" y="6029"/>
+                <a:ext cx="7479" cy="1263"/>
+                <a:chOff x="5637" y="5951"/>
+                <a:chExt cx="7479" cy="1263"/>
+              </a:xfrm>
+            </p:grpSpPr>
+            <p:sp>
+              <p:nvSpPr>
+                <p:cNvPr id="3" name="矩形 2"/>
+                <p:cNvSpPr/>
+                <p:nvPr/>
+              </p:nvSpPr>
+              <p:spPr>
+                <a:xfrm>
+                  <a:off x="5637" y="5951"/>
+                  <a:ext cx="3027" cy="1263"/>
+                </a:xfrm>
+                <a:prstGeom prst="rect">
+                  <a:avLst/>
+                </a:prstGeom>
+                <a:solidFill>
+                  <a:schemeClr val="accent1">
+                    <a:lumMod val="60000"/>
+                    <a:lumOff val="40000"/>
+                  </a:schemeClr>
+                </a:solidFill>
+              </p:spPr>
+              <p:txBody>
+                <a:bodyPr wrap="square">
+                  <a:spAutoFit/>
+                </a:bodyPr>
+                <a:p>
+                  <a:pPr algn="ctr"/>
+                  <a:r>
+                    <a:rPr lang="en-US" altLang="zh-CN" sz="2400" dirty="0"/>
+                    <a:t>feature extractor</a:t>
+                  </a:r>
+                  <a:endParaRPr lang="en-US" altLang="zh-CN" sz="2400" dirty="0"/>
+                </a:p>
+              </p:txBody>
+            </p:sp>
+            <p:sp>
+              <p:nvSpPr>
+                <p:cNvPr id="4" name="圆角矩形 3"/>
+                <p:cNvSpPr/>
+                <p:nvPr/>
+              </p:nvSpPr>
+              <p:spPr>
+                <a:xfrm>
+                  <a:off x="10805" y="6109"/>
+                  <a:ext cx="2311" cy="779"/>
+                </a:xfrm>
+                <a:prstGeom prst="roundRect">
+                  <a:avLst/>
+                </a:prstGeom>
+                <a:solidFill>
+                  <a:schemeClr val="accent2"/>
+                </a:solidFill>
+              </p:spPr>
+              <p:txBody>
+                <a:bodyPr wrap="square">
+                  <a:spAutoFit/>
+                </a:bodyPr>
+                <a:p>
+                  <a:r>
+                    <a:rPr lang="en-US" altLang="zh-CN" sz="2400" dirty="0"/>
+                    <a:t>prediction</a:t>
+                  </a:r>
+                  <a:endParaRPr lang="en-US" altLang="zh-CN" sz="2400" dirty="0"/>
+                </a:p>
+              </p:txBody>
+            </p:sp>
+            <p:cxnSp>
+              <p:nvCxnSpPr>
+                <p:cNvPr id="8" name="直接连接符 7"/>
+                <p:cNvCxnSpPr/>
+                <p:nvPr/>
+              </p:nvCxnSpPr>
+              <p:spPr>
+                <a:xfrm flipH="1" flipV="1">
+                  <a:off x="8769" y="6495"/>
+                  <a:ext cx="2041" cy="7"/>
+                </a:xfrm>
+                <a:prstGeom prst="line">
+                  <a:avLst/>
+                </a:prstGeom>
+                <a:ln w="25400">
+                  <a:solidFill>
+                    <a:schemeClr val="tx1"/>
+                  </a:solidFill>
+                  <a:headEnd type="stealth" w="lg" len="med"/>
+                  <a:tailEnd type="none" w="lg" len="med"/>
+                </a:ln>
+              </p:spPr>
+              <p:style>
+                <a:lnRef idx="1">
+                  <a:schemeClr val="accent2"/>
+                </a:lnRef>
+                <a:fillRef idx="0">
+                  <a:schemeClr val="accent2"/>
+                </a:fillRef>
+                <a:effectRef idx="0">
+                  <a:schemeClr val="accent2"/>
+                </a:effectRef>
+                <a:fontRef idx="minor">
+                  <a:schemeClr val="tx1"/>
+                </a:fontRef>
+              </p:style>
+            </p:cxnSp>
+          </p:grpSp>
+          <p:cxnSp>
+            <p:nvCxnSpPr>
+              <p:cNvPr id="7" name="直接连接符 6"/>
+              <p:cNvCxnSpPr>
+                <a:stCxn id="12" idx="1"/>
+              </p:cNvCxnSpPr>
+              <p:nvPr/>
+            </p:nvCxnSpPr>
+            <p:spPr>
+              <a:xfrm flipH="1">
+                <a:off x="13303" y="5720"/>
+                <a:ext cx="1452" cy="986"/>
+              </a:xfrm>
+              <a:prstGeom prst="line">
+                <a:avLst/>
+              </a:prstGeom>
+              <a:ln w="25400">
+                <a:solidFill>
+                  <a:srgbClr val="00B0F0"/>
+                </a:solidFill>
+                <a:headEnd type="stealth" w="lg" len="med"/>
+                <a:tailEnd type="none" w="lg" len="med"/>
+              </a:ln>
+            </p:spPr>
+            <p:style>
+              <a:lnRef idx="1">
+                <a:schemeClr val="accent2"/>
+              </a:lnRef>
+              <a:fillRef idx="0">
+                <a:schemeClr val="accent2"/>
+              </a:fillRef>
+              <a:effectRef idx="0">
+                <a:schemeClr val="accent2"/>
+              </a:effectRef>
+              <a:fontRef idx="minor">
+                <a:schemeClr val="tx1"/>
+              </a:fontRef>
+            </p:style>
+          </p:cxnSp>
+          <p:sp>
+            <p:nvSpPr>
+              <p:cNvPr id="12" name="文本框 11"/>
+              <p:cNvSpPr txBox="1"/>
+              <p:nvPr/>
+            </p:nvSpPr>
+            <p:spPr>
+              <a:xfrm>
+                <a:off x="14756" y="5440"/>
+                <a:ext cx="1908" cy="561"/>
+              </a:xfrm>
+              <a:prstGeom prst="rect">
+                <a:avLst/>
+              </a:prstGeom>
+              <a:noFill/>
+            </p:spPr>
+            <p:txBody>
+              <a:bodyPr wrap="square" rtlCol="0">
+                <a:spAutoFit/>
+              </a:bodyPr>
+              <a:p>
+                <a:r>
+                  <a:rPr lang="en-US" altLang="zh-CN"/>
+                  <a:t>uncertainty</a:t>
+                </a:r>
+                <a:endParaRPr lang="en-US" altLang="zh-CN"/>
+              </a:p>
+            </p:txBody>
+          </p:sp>
+          <p:cxnSp>
+            <p:nvCxnSpPr>
+              <p:cNvPr id="14" name="直接连接符 13"/>
+              <p:cNvCxnSpPr/>
+              <p:nvPr/>
+            </p:nvCxnSpPr>
+            <p:spPr>
+              <a:xfrm flipH="1" flipV="1">
+                <a:off x="13207" y="6706"/>
+                <a:ext cx="1661" cy="585"/>
+              </a:xfrm>
+              <a:prstGeom prst="line">
+                <a:avLst/>
+              </a:prstGeom>
+              <a:ln w="25400">
+                <a:solidFill>
+                  <a:srgbClr val="FF0000"/>
+                </a:solidFill>
+                <a:headEnd type="stealth" w="lg" len="med"/>
+                <a:tailEnd type="none" w="lg" len="med"/>
+              </a:ln>
+            </p:spPr>
+            <p:style>
+              <a:lnRef idx="1">
+                <a:schemeClr val="accent2"/>
+              </a:lnRef>
+              <a:fillRef idx="0">
+                <a:schemeClr val="accent2"/>
+              </a:fillRef>
+              <a:effectRef idx="0">
+                <a:schemeClr val="accent2"/>
+              </a:effectRef>
+              <a:fontRef idx="minor">
+                <a:schemeClr val="tx1"/>
+              </a:fontRef>
+            </p:style>
+          </p:cxnSp>
+          <p:sp>
+            <p:nvSpPr>
+              <p:cNvPr id="16" name="文本框 15"/>
+              <p:cNvSpPr txBox="1"/>
+              <p:nvPr/>
+            </p:nvSpPr>
+            <p:spPr>
+              <a:xfrm>
+                <a:off x="14898" y="6966"/>
+                <a:ext cx="1088" cy="561"/>
+              </a:xfrm>
+              <a:prstGeom prst="rect">
+                <a:avLst/>
+              </a:prstGeom>
+              <a:noFill/>
+            </p:spPr>
+            <p:txBody>
+              <a:bodyPr wrap="square" rtlCol="0">
+                <a:spAutoFit/>
+              </a:bodyPr>
+              <a:p>
+                <a:r>
+                  <a:rPr lang="en-US" altLang="zh-CN"/>
+                  <a:t>probs</a:t>
+                </a:r>
+                <a:endParaRPr lang="en-US" altLang="zh-CN"/>
+              </a:p>
+            </p:txBody>
+          </p:sp>
+        </p:grpSp>
+        <p:pic>
+          <p:nvPicPr>
+            <p:cNvPr id="19" name="图片 18"/>
+            <p:cNvPicPr>
+              <a:picLocks noChangeAspect="1"/>
+            </p:cNvPicPr>
+            <p:nvPr/>
+          </p:nvPicPr>
+          <p:blipFill>
+            <a:blip r:embed="rId1"/>
+            <a:stretch>
+              <a:fillRect/>
+            </a:stretch>
+          </p:blipFill>
+          <p:spPr>
+            <a:xfrm>
+              <a:off x="1753" y="3378"/>
+              <a:ext cx="2129" cy="2492"/>
+            </a:xfrm>
+            <a:prstGeom prst="rect">
+              <a:avLst/>
+            </a:prstGeom>
+          </p:spPr>
+        </p:pic>
+        <p:cxnSp>
+          <p:nvCxnSpPr>
+            <p:cNvPr id="20" name="直接连接符 19"/>
+            <p:cNvCxnSpPr/>
+            <p:nvPr/>
+          </p:nvCxnSpPr>
+          <p:spPr>
+            <a:xfrm flipH="1">
+              <a:off x="4099" y="4380"/>
+              <a:ext cx="2062" cy="0"/>
+            </a:xfrm>
+            <a:prstGeom prst="line">
+              <a:avLst/>
+            </a:prstGeom>
+            <a:ln w="25400">
+              <a:solidFill>
+                <a:schemeClr val="tx1"/>
+              </a:solidFill>
+              <a:headEnd type="stealth" w="lg" len="med"/>
+              <a:tailEnd type="none" w="lg" len="med"/>
+            </a:ln>
+          </p:spPr>
+          <p:style>
+            <a:lnRef idx="1">
+              <a:schemeClr val="accent2"/>
+            </a:lnRef>
+            <a:fillRef idx="0">
+              <a:schemeClr val="accent2"/>
+            </a:fillRef>
+            <a:effectRef idx="0">
+              <a:schemeClr val="accent2"/>
+            </a:effectRef>
+            <a:fontRef idx="minor">
+              <a:schemeClr val="tx1"/>
+            </a:fontRef>
+          </p:style>
+        </p:cxnSp>
+      </p:grpSp>
+      <p:pic>
+        <p:nvPicPr>
+          <p:cNvPr id="18" name="图片 17"/>
+          <p:cNvPicPr>
+            <a:picLocks noChangeAspect="1"/>
+          </p:cNvPicPr>
+          <p:nvPr/>
+        </p:nvPicPr>
+        <p:blipFill>
+          <a:blip r:embed="rId2"/>
+          <a:stretch>
+            <a:fillRect/>
+          </a:stretch>
+        </p:blipFill>
+        <p:spPr>
+          <a:xfrm>
+            <a:off x="700405" y="3662045"/>
+            <a:ext cx="8876665" cy="2814320"/>
+          </a:xfrm>
+          <a:prstGeom prst="rect">
+            <a:avLst/>
+          </a:prstGeom>
+        </p:spPr>
+      </p:pic>
+      <p:sp>
+        <p:nvSpPr>
+          <p:cNvPr id="21" name="文本框 20"/>
+          <p:cNvSpPr txBox="1"/>
+          <p:nvPr/>
+        </p:nvSpPr>
+        <p:spPr>
+          <a:xfrm>
+            <a:off x="9229090" y="5057775"/>
+            <a:ext cx="2367280" cy="645160"/>
+          </a:xfrm>
+          <a:prstGeom prst="rect">
+            <a:avLst/>
+          </a:prstGeom>
+          <a:solidFill>
+            <a:schemeClr val="accent1"/>
+          </a:solidFill>
+          <a:ln>
+            <a:solidFill>
+              <a:schemeClr val="accent1"/>
+            </a:solidFill>
+          </a:ln>
+        </p:spPr>
+        <p:txBody>
+          <a:bodyPr wrap="none" rtlCol="0">
+            <a:spAutoFit/>
+          </a:bodyPr>
+          <a:p>
+            <a:r>
+              <a:rPr lang="en-US" altLang="zh-CN"/>
+              <a:t>Power Iteration Method</a:t>
+            </a:r>
+            <a:endParaRPr lang="en-US" altLang="zh-CN"/>
+          </a:p>
+          <a:p>
+            <a:r>
+              <a:rPr lang="zh-CN" altLang="en-US"/>
+              <a:t>计算谱范数</a:t>
+            </a:r>
+            <a:endParaRPr lang="zh-CN" altLang="en-US"/>
+          </a:p>
+        </p:txBody>
+      </p:sp>
+    </p:spTree>
+  </p:cSld>
+  <p:clrMapOvr>
+    <a:masterClrMapping/>
+  </p:clrMapOvr>
+  <mc:AlternateContent xmlns:mc="http://schemas.openxmlformats.org/markup-compatibility/2006" xmlns:p159="http://schemas.microsoft.com/office/powerpoint/2015/09/main">
+    <mc:Choice Requires="p159">
+      <p:transition xmlns:p14="http://schemas.microsoft.com/office/powerpoint/2010/main" spd="med">
+        <p159:morph option="byObject"/>
+      </p:transition>
+    </mc:Choice>
+    <mc:Fallback>
+      <p:transition spd="med">
+        <p:fade/>
+      </p:transition>
+    </mc:Fallback>
+  </mc:AlternateContent>
+</p:sld>
+</file>
+
+<file path=ppt/slides/slide33.xml><?xml version="1.0" encoding="utf-8"?>
+<p:sld xmlns:a="http://schemas.openxmlformats.org/drawingml/2006/main" xmlns:r="http://schemas.openxmlformats.org/officeDocument/2006/relationships" xmlns:p="http://schemas.openxmlformats.org/presentationml/2006/main">
+  <p:cSld>
+    <p:spTree>
+      <p:nvGrpSpPr>
+        <p:cNvPr id="1" name=""/>
+        <p:cNvGrpSpPr/>
+        <p:nvPr/>
+      </p:nvGrpSpPr>
+      <p:grpSpPr>
+        <a:xfrm>
+          <a:off x="0" y="0"/>
+          <a:ext cx="0" cy="0"/>
+          <a:chOff x="0" y="0"/>
+          <a:chExt cx="0" cy="0"/>
+        </a:xfrm>
+      </p:grpSpPr>
+      <p:sp>
+        <p:nvSpPr>
+          <p:cNvPr id="6" name="矩形 5"/>
+          <p:cNvSpPr/>
+          <p:nvPr/>
+        </p:nvSpPr>
+        <p:spPr>
+          <a:xfrm>
+            <a:off x="304543" y="486560"/>
+            <a:ext cx="1612900" cy="521970"/>
+          </a:xfrm>
+          <a:prstGeom prst="rect">
+            <a:avLst/>
+          </a:prstGeom>
+        </p:spPr>
+        <p:txBody>
+          <a:bodyPr wrap="none">
+            <a:spAutoFit/>
+          </a:bodyPr>
+          <a:lstStyle/>
+          <a:p>
+            <a:pPr algn="l" defTabSz="914400">
+              <a:defRPr/>
+            </a:pPr>
+            <a:r>
+              <a:rPr lang="zh-CN" altLang="en-US" sz="2800" b="1" dirty="0">
+                <a:latin typeface="微软雅黑" charset="-122"/>
+                <a:ea typeface="微软雅黑" charset="-122"/>
+                <a:cs typeface="微软雅黑" charset="-122"/>
+                <a:sym typeface="+mn-ea"/>
+              </a:rPr>
+              <a:t>研究内容</a:t>
+            </a:r>
+            <a:endParaRPr lang="zh-CN" altLang="en-US" sz="2800" b="1" dirty="0">
+              <a:solidFill>
+                <a:schemeClr val="tx1"/>
+              </a:solidFill>
+              <a:latin typeface="微软雅黑" charset="-122"/>
+              <a:ea typeface="微软雅黑" charset="-122"/>
+              <a:cs typeface="微软雅黑" charset="-122"/>
+              <a:sym typeface="+mn-ea"/>
+            </a:endParaRPr>
+          </a:p>
+        </p:txBody>
+      </p:sp>
+      <p:sp>
+        <p:nvSpPr>
+          <p:cNvPr id="5" name="文本框 4"/>
+          <p:cNvSpPr txBox="1"/>
+          <p:nvPr/>
+        </p:nvSpPr>
+        <p:spPr>
+          <a:xfrm>
+            <a:off x="1113155" y="1310005"/>
+            <a:ext cx="10592435" cy="645160"/>
+          </a:xfrm>
+          <a:prstGeom prst="rect">
+            <a:avLst/>
+          </a:prstGeom>
+          <a:noFill/>
+        </p:spPr>
+        <p:txBody>
+          <a:bodyPr wrap="square" rtlCol="0">
+            <a:spAutoFit/>
+          </a:bodyPr>
+          <a:p>
+            <a:pPr marL="285750" indent="-285750">
+              <a:buFont typeface="Wingdings" panose="05000000000000000000" charset="0"/>
+              <a:buChar char=""/>
+            </a:pPr>
+            <a:r>
+              <a:rPr lang="zh-CN"/>
+              <a:t>加入对比</a:t>
+            </a:r>
+            <a:r>
+              <a:rPr lang="en-US" altLang="zh-CN"/>
+              <a:t>loss</a:t>
+            </a:r>
+            <a:endParaRPr lang="zh-CN"/>
+          </a:p>
+          <a:p>
+            <a:pPr marL="628650" lvl="2" indent="-285750">
+              <a:buFont typeface="Wingdings" panose="05000000000000000000" charset="0"/>
+              <a:buChar char=""/>
+            </a:pPr>
+            <a:endParaRPr lang="en-US"/>
+          </a:p>
+        </p:txBody>
+      </p:sp>
+    </p:spTree>
+  </p:cSld>
+  <p:clrMapOvr>
+    <a:masterClrMapping/>
+  </p:clrMapOvr>
+  <mc:AlternateContent xmlns:mc="http://schemas.openxmlformats.org/markup-compatibility/2006" xmlns:p159="http://schemas.microsoft.com/office/powerpoint/2015/09/main">
+    <mc:Choice Requires="p159">
+      <p:transition xmlns:p14="http://schemas.microsoft.com/office/powerpoint/2010/main" spd="med">
+        <p159:morph option="byObject"/>
+      </p:transition>
+    </mc:Choice>
+    <mc:Fallback>
+      <p:transition spd="med">
+        <p:fade/>
+      </p:transition>
+    </mc:Fallback>
+  </mc:AlternateContent>
+</p:sld>
+</file>
+
+<file path=ppt/slides/slide34.xml><?xml version="1.0" encoding="utf-8"?>
+<p:sld xmlns:a="http://schemas.openxmlformats.org/drawingml/2006/main" xmlns:r="http://schemas.openxmlformats.org/officeDocument/2006/relationships" xmlns:p="http://schemas.openxmlformats.org/presentationml/2006/main">
+  <p:cSld>
+    <p:spTree>
+      <p:nvGrpSpPr>
+        <p:cNvPr id="1" name=""/>
+        <p:cNvGrpSpPr/>
+        <p:nvPr/>
+      </p:nvGrpSpPr>
+      <p:grpSpPr>
+        <a:xfrm>
+          <a:off x="0" y="0"/>
+          <a:ext cx="0" cy="0"/>
+          <a:chOff x="0" y="0"/>
+          <a:chExt cx="0" cy="0"/>
+        </a:xfrm>
+      </p:grpSpPr>
+      <p:sp>
+        <p:nvSpPr>
+          <p:cNvPr id="6" name="矩形 5"/>
+          <p:cNvSpPr/>
+          <p:nvPr/>
+        </p:nvSpPr>
+        <p:spPr>
+          <a:xfrm>
+            <a:off x="304543" y="486560"/>
+            <a:ext cx="1612900" cy="521970"/>
+          </a:xfrm>
+          <a:prstGeom prst="rect">
+            <a:avLst/>
+          </a:prstGeom>
+        </p:spPr>
+        <p:txBody>
+          <a:bodyPr wrap="none">
+            <a:spAutoFit/>
+          </a:bodyPr>
+          <a:lstStyle/>
+          <a:p>
+            <a:pPr algn="l" defTabSz="914400">
+              <a:defRPr/>
+            </a:pPr>
+            <a:r>
+              <a:rPr lang="zh-CN" altLang="en-US" sz="2800" b="1" dirty="0">
+                <a:latin typeface="微软雅黑" charset="-122"/>
+                <a:ea typeface="微软雅黑" charset="-122"/>
+                <a:cs typeface="微软雅黑" charset="-122"/>
+                <a:sym typeface="+mn-ea"/>
+              </a:rPr>
+              <a:t>研究内容</a:t>
+            </a:r>
+            <a:endParaRPr lang="zh-CN" altLang="en-US" sz="2800" b="1" dirty="0">
+              <a:solidFill>
+                <a:schemeClr val="tx1"/>
+              </a:solidFill>
+              <a:latin typeface="微软雅黑" charset="-122"/>
+              <a:ea typeface="微软雅黑" charset="-122"/>
+              <a:cs typeface="微软雅黑" charset="-122"/>
+              <a:sym typeface="+mn-ea"/>
+            </a:endParaRPr>
+          </a:p>
+        </p:txBody>
+      </p:sp>
+      <p:sp>
+        <p:nvSpPr>
+          <p:cNvPr id="5" name="文本框 4"/>
+          <p:cNvSpPr txBox="1"/>
+          <p:nvPr/>
+        </p:nvSpPr>
+        <p:spPr>
+          <a:xfrm>
+            <a:off x="1113155" y="1310005"/>
+            <a:ext cx="10592435" cy="645160"/>
+          </a:xfrm>
+          <a:prstGeom prst="rect">
+            <a:avLst/>
+          </a:prstGeom>
+          <a:noFill/>
+        </p:spPr>
+        <p:txBody>
+          <a:bodyPr wrap="square" rtlCol="0">
+            <a:spAutoFit/>
+          </a:bodyPr>
+          <a:p>
+            <a:pPr marL="285750" indent="-285750">
+              <a:buFont typeface="Wingdings" panose="05000000000000000000" charset="0"/>
+              <a:buChar char=""/>
+            </a:pPr>
+            <a:r>
+              <a:rPr lang="zh-CN"/>
+              <a:t>加入</a:t>
+            </a:r>
+            <a:r>
+              <a:rPr lang="en-US" altLang="zh-CN"/>
+              <a:t>input purturbation</a:t>
+            </a:r>
+            <a:endParaRPr lang="zh-CN"/>
+          </a:p>
+          <a:p>
+            <a:pPr marL="628650" lvl="2" indent="-285750">
+              <a:buFont typeface="Wingdings" panose="05000000000000000000" charset="0"/>
+              <a:buChar char=""/>
+            </a:pPr>
+            <a:endParaRPr lang="en-US"/>
+          </a:p>
+        </p:txBody>
+      </p:sp>
+    </p:spTree>
+  </p:cSld>
+  <p:clrMapOvr>
+    <a:masterClrMapping/>
+  </p:clrMapOvr>
+  <mc:AlternateContent xmlns:mc="http://schemas.openxmlformats.org/markup-compatibility/2006" xmlns:p159="http://schemas.microsoft.com/office/powerpoint/2015/09/main">
+    <mc:Choice Requires="p159">
+      <p:transition xmlns:p14="http://schemas.microsoft.com/office/powerpoint/2010/main" spd="med">
+        <p159:morph option="byObject"/>
+      </p:transition>
+    </mc:Choice>
+    <mc:Fallback>
+      <p:transition spd="med">
+        <p:fade/>
+      </p:transition>
+    </mc:Fallback>
+  </mc:AlternateContent>
+</p:sld>
+</file>
+
+<file path=ppt/slides/slide35.xml><?xml version="1.0" encoding="utf-8"?>
+<p:sld xmlns:a="http://schemas.openxmlformats.org/drawingml/2006/main" xmlns:r="http://schemas.openxmlformats.org/officeDocument/2006/relationships" xmlns:p="http://schemas.openxmlformats.org/presentationml/2006/main">
+  <p:cSld>
+    <p:spTree>
+      <p:nvGrpSpPr>
+        <p:cNvPr id="1" name=""/>
+        <p:cNvGrpSpPr/>
+        <p:nvPr/>
+      </p:nvGrpSpPr>
+      <p:grpSpPr>
+        <a:xfrm>
+          <a:off x="0" y="0"/>
+          <a:ext cx="0" cy="0"/>
+          <a:chOff x="0" y="0"/>
+          <a:chExt cx="0" cy="0"/>
+        </a:xfrm>
+      </p:grpSpPr>
+      <p:pic>
+        <p:nvPicPr>
+          <p:cNvPr id="1032" name="Picture 8"/>
+          <p:cNvPicPr>
+            <a:picLocks noChangeAspect="1" noChangeArrowheads="1"/>
+          </p:cNvPicPr>
+          <p:nvPr/>
+        </p:nvPicPr>
+        <p:blipFill>
+          <a:blip r:embed="rId1">
+            <a:extLst>
+              <a:ext uri="{28A0092B-C50C-407E-A947-70E740481C1C}">
+                <a14:useLocalDpi xmlns:a14="http://schemas.microsoft.com/office/drawing/2010/main" val="0"/>
+              </a:ext>
+            </a:extLst>
+          </a:blip>
+          <a:srcRect/>
+          <a:stretch>
+            <a:fillRect/>
+          </a:stretch>
+        </p:blipFill>
+        <p:spPr bwMode="auto">
+          <a:xfrm>
+            <a:off x="4838700" y="2209800"/>
+            <a:ext cx="2514600" cy="1885950"/>
+          </a:xfrm>
+          <a:prstGeom prst="rect">
+            <a:avLst/>
+          </a:prstGeom>
+          <a:noFill/>
+          <a:extLst>
+            <a:ext uri="{909E8E84-426E-40DD-AFC4-6F175D3DCCD1}">
+              <a14:hiddenFill xmlns:a14="http://schemas.microsoft.com/office/drawing/2010/main">
+                <a:solidFill>
+                  <a:srgbClr val="FFFFFF"/>
+                </a:solidFill>
+              </a14:hiddenFill>
+            </a:ext>
+          </a:extLst>
+        </p:spPr>
+      </p:pic>
+      <p:pic>
+        <p:nvPicPr>
+          <p:cNvPr id="5" name="Picture 4"/>
+          <p:cNvPicPr/>
+          <p:nvPr/>
+        </p:nvPicPr>
+        <p:blipFill>
+          <a:blip r:embed="rId2"/>
+          <a:stretch>
+            <a:fillRect/>
+          </a:stretch>
+        </p:blipFill>
+        <p:spPr>
+          <a:xfrm>
+            <a:off x="10948314" y="5971075"/>
+            <a:ext cx="1217930" cy="942975"/>
+          </a:xfrm>
+          <a:prstGeom prst="rect">
+            <a:avLst/>
+          </a:prstGeom>
+        </p:spPr>
+      </p:pic>
+    </p:spTree>
+  </p:cSld>
+  <p:clrMapOvr>
+    <a:masterClrMapping/>
+  </p:clrMapOvr>
+  <p:transition/>
 </p:sld>
 </file>
 
